--- a/JPA-JPQL Query Performance.pptx
+++ b/JPA-JPQL Query Performance.pptx
@@ -5,7 +5,7 @@
     <p:sldMasterId id="2147483648" r:id="rId1"/>
   </p:sldMasterIdLst>
   <p:notesMasterIdLst>
-    <p:notesMasterId r:id="rId10"/>
+    <p:notesMasterId r:id="rId19"/>
   </p:notesMasterIdLst>
   <p:sldIdLst>
     <p:sldId id="256" r:id="rId2"/>
@@ -13,9 +13,18 @@
     <p:sldId id="258" r:id="rId4"/>
     <p:sldId id="259" r:id="rId5"/>
     <p:sldId id="260" r:id="rId6"/>
-    <p:sldId id="261" r:id="rId7"/>
-    <p:sldId id="262" r:id="rId8"/>
-    <p:sldId id="263" r:id="rId9"/>
+    <p:sldId id="262" r:id="rId7"/>
+    <p:sldId id="263" r:id="rId8"/>
+    <p:sldId id="264" r:id="rId9"/>
+    <p:sldId id="265" r:id="rId10"/>
+    <p:sldId id="266" r:id="rId11"/>
+    <p:sldId id="267" r:id="rId12"/>
+    <p:sldId id="268" r:id="rId13"/>
+    <p:sldId id="269" r:id="rId14"/>
+    <p:sldId id="270" r:id="rId15"/>
+    <p:sldId id="271" r:id="rId16"/>
+    <p:sldId id="272" r:id="rId17"/>
+    <p:sldId id="273" r:id="rId18"/>
   </p:sldIdLst>
   <p:sldSz cx="12192000" cy="6858000"/>
   <p:notesSz cx="6858000" cy="9144000"/>
@@ -114,6 +123,11 @@
       </a:defRPr>
     </a:lvl9pPr>
   </p:defaultTextStyle>
+  <p:extLst>
+    <p:ext uri="{EFAFB233-063F-42B5-8137-9DF3F51BA10A}">
+      <p15:sldGuideLst xmlns:p15="http://schemas.microsoft.com/office/powerpoint/2012/main"/>
+    </p:ext>
+  </p:extLst>
 </p:presentation>
 </file>
 
@@ -225,7 +239,7 @@
           <a:p>
             <a:fld id="{82BF8903-3F4A-4A2C-83EA-FF6ECD7D1204}" type="datetimeFigureOut">
               <a:rPr lang="en-US" smtClean="0"/>
-              <a:t>10/18/2016</a:t>
+              <a:t>10/19/2016</a:t>
             </a:fld>
             <a:endParaRPr lang="en-US"/>
           </a:p>
@@ -727,7 +741,7 @@
           <a:p>
             <a:fld id="{0E42B474-9894-41A2-AA85-6611977307B5}" type="slidenum">
               <a:rPr lang="en-US" smtClean="0"/>
-              <a:t>7</a:t>
+              <a:t>6</a:t>
             </a:fld>
             <a:endParaRPr lang="en-US"/>
           </a:p>
@@ -737,6 +751,258 @@
     <p:extLst>
       <p:ext uri="{BB962C8B-B14F-4D97-AF65-F5344CB8AC3E}">
         <p14:creationId xmlns:p14="http://schemas.microsoft.com/office/powerpoint/2010/main" val="3336218579"/>
+      </p:ext>
+    </p:extLst>
+  </p:cSld>
+  <p:clrMapOvr>
+    <a:masterClrMapping/>
+  </p:clrMapOvr>
+</p:notes>
+</file>
+
+<file path=ppt/notesSlides/notesSlide3.xml><?xml version="1.0" encoding="utf-8"?>
+<p:notes xmlns:a="http://schemas.openxmlformats.org/drawingml/2006/main" xmlns:r="http://schemas.openxmlformats.org/officeDocument/2006/relationships" xmlns:p="http://schemas.openxmlformats.org/presentationml/2006/main">
+  <p:cSld>
+    <p:spTree>
+      <p:nvGrpSpPr>
+        <p:cNvPr id="1" name=""/>
+        <p:cNvGrpSpPr/>
+        <p:nvPr/>
+      </p:nvGrpSpPr>
+      <p:grpSpPr>
+        <a:xfrm>
+          <a:off x="0" y="0"/>
+          <a:ext cx="0" cy="0"/>
+          <a:chOff x="0" y="0"/>
+          <a:chExt cx="0" cy="0"/>
+        </a:xfrm>
+      </p:grpSpPr>
+      <p:sp>
+        <p:nvSpPr>
+          <p:cNvPr id="2" name="Slide Image Placeholder 1"/>
+          <p:cNvSpPr>
+            <a:spLocks noGrp="1" noRot="1" noChangeAspect="1"/>
+          </p:cNvSpPr>
+          <p:nvPr>
+            <p:ph type="sldImg"/>
+          </p:nvPr>
+        </p:nvSpPr>
+        <p:spPr/>
+      </p:sp>
+      <p:sp>
+        <p:nvSpPr>
+          <p:cNvPr id="3" name="Notes Placeholder 2"/>
+          <p:cNvSpPr>
+            <a:spLocks noGrp="1"/>
+          </p:cNvSpPr>
+          <p:nvPr>
+            <p:ph type="body" idx="1"/>
+          </p:nvPr>
+        </p:nvSpPr>
+        <p:spPr/>
+        <p:txBody>
+          <a:bodyPr/>
+          <a:lstStyle/>
+          <a:p>
+            <a:endParaRPr lang="en-US" dirty="0"/>
+          </a:p>
+        </p:txBody>
+      </p:sp>
+      <p:sp>
+        <p:nvSpPr>
+          <p:cNvPr id="4" name="Slide Number Placeholder 3"/>
+          <p:cNvSpPr>
+            <a:spLocks noGrp="1"/>
+          </p:cNvSpPr>
+          <p:nvPr>
+            <p:ph type="sldNum" sz="quarter" idx="10"/>
+          </p:nvPr>
+        </p:nvSpPr>
+        <p:spPr/>
+        <p:txBody>
+          <a:bodyPr/>
+          <a:lstStyle/>
+          <a:p>
+            <a:fld id="{0E42B474-9894-41A2-AA85-6611977307B5}" type="slidenum">
+              <a:rPr lang="en-US" smtClean="0"/>
+              <a:t>9</a:t>
+            </a:fld>
+            <a:endParaRPr lang="en-US"/>
+          </a:p>
+        </p:txBody>
+      </p:sp>
+    </p:spTree>
+    <p:extLst>
+      <p:ext uri="{BB962C8B-B14F-4D97-AF65-F5344CB8AC3E}">
+        <p14:creationId xmlns:p14="http://schemas.microsoft.com/office/powerpoint/2010/main" val="2191715262"/>
+      </p:ext>
+    </p:extLst>
+  </p:cSld>
+  <p:clrMapOvr>
+    <a:masterClrMapping/>
+  </p:clrMapOvr>
+</p:notes>
+</file>
+
+<file path=ppt/notesSlides/notesSlide4.xml><?xml version="1.0" encoding="utf-8"?>
+<p:notes xmlns:a="http://schemas.openxmlformats.org/drawingml/2006/main" xmlns:r="http://schemas.openxmlformats.org/officeDocument/2006/relationships" xmlns:p="http://schemas.openxmlformats.org/presentationml/2006/main">
+  <p:cSld>
+    <p:spTree>
+      <p:nvGrpSpPr>
+        <p:cNvPr id="1" name=""/>
+        <p:cNvGrpSpPr/>
+        <p:nvPr/>
+      </p:nvGrpSpPr>
+      <p:grpSpPr>
+        <a:xfrm>
+          <a:off x="0" y="0"/>
+          <a:ext cx="0" cy="0"/>
+          <a:chOff x="0" y="0"/>
+          <a:chExt cx="0" cy="0"/>
+        </a:xfrm>
+      </p:grpSpPr>
+      <p:sp>
+        <p:nvSpPr>
+          <p:cNvPr id="2" name="Slide Image Placeholder 1"/>
+          <p:cNvSpPr>
+            <a:spLocks noGrp="1" noRot="1" noChangeAspect="1"/>
+          </p:cNvSpPr>
+          <p:nvPr>
+            <p:ph type="sldImg"/>
+          </p:nvPr>
+        </p:nvSpPr>
+        <p:spPr/>
+      </p:sp>
+      <p:sp>
+        <p:nvSpPr>
+          <p:cNvPr id="3" name="Notes Placeholder 2"/>
+          <p:cNvSpPr>
+            <a:spLocks noGrp="1"/>
+          </p:cNvSpPr>
+          <p:nvPr>
+            <p:ph type="body" idx="1"/>
+          </p:nvPr>
+        </p:nvSpPr>
+        <p:spPr/>
+        <p:txBody>
+          <a:bodyPr/>
+          <a:lstStyle/>
+          <a:p>
+            <a:endParaRPr lang="en-US" dirty="0"/>
+          </a:p>
+        </p:txBody>
+      </p:sp>
+      <p:sp>
+        <p:nvSpPr>
+          <p:cNvPr id="4" name="Slide Number Placeholder 3"/>
+          <p:cNvSpPr>
+            <a:spLocks noGrp="1"/>
+          </p:cNvSpPr>
+          <p:nvPr>
+            <p:ph type="sldNum" sz="quarter" idx="10"/>
+          </p:nvPr>
+        </p:nvSpPr>
+        <p:spPr/>
+        <p:txBody>
+          <a:bodyPr/>
+          <a:lstStyle/>
+          <a:p>
+            <a:fld id="{0E42B474-9894-41A2-AA85-6611977307B5}" type="slidenum">
+              <a:rPr lang="en-US" smtClean="0"/>
+              <a:t>12</a:t>
+            </a:fld>
+            <a:endParaRPr lang="en-US"/>
+          </a:p>
+        </p:txBody>
+      </p:sp>
+    </p:spTree>
+    <p:extLst>
+      <p:ext uri="{BB962C8B-B14F-4D97-AF65-F5344CB8AC3E}">
+        <p14:creationId xmlns:p14="http://schemas.microsoft.com/office/powerpoint/2010/main" val="4242811874"/>
+      </p:ext>
+    </p:extLst>
+  </p:cSld>
+  <p:clrMapOvr>
+    <a:masterClrMapping/>
+  </p:clrMapOvr>
+</p:notes>
+</file>
+
+<file path=ppt/notesSlides/notesSlide5.xml><?xml version="1.0" encoding="utf-8"?>
+<p:notes xmlns:a="http://schemas.openxmlformats.org/drawingml/2006/main" xmlns:r="http://schemas.openxmlformats.org/officeDocument/2006/relationships" xmlns:p="http://schemas.openxmlformats.org/presentationml/2006/main">
+  <p:cSld>
+    <p:spTree>
+      <p:nvGrpSpPr>
+        <p:cNvPr id="1" name=""/>
+        <p:cNvGrpSpPr/>
+        <p:nvPr/>
+      </p:nvGrpSpPr>
+      <p:grpSpPr>
+        <a:xfrm>
+          <a:off x="0" y="0"/>
+          <a:ext cx="0" cy="0"/>
+          <a:chOff x="0" y="0"/>
+          <a:chExt cx="0" cy="0"/>
+        </a:xfrm>
+      </p:grpSpPr>
+      <p:sp>
+        <p:nvSpPr>
+          <p:cNvPr id="2" name="Slide Image Placeholder 1"/>
+          <p:cNvSpPr>
+            <a:spLocks noGrp="1" noRot="1" noChangeAspect="1"/>
+          </p:cNvSpPr>
+          <p:nvPr>
+            <p:ph type="sldImg"/>
+          </p:nvPr>
+        </p:nvSpPr>
+        <p:spPr/>
+      </p:sp>
+      <p:sp>
+        <p:nvSpPr>
+          <p:cNvPr id="3" name="Notes Placeholder 2"/>
+          <p:cNvSpPr>
+            <a:spLocks noGrp="1"/>
+          </p:cNvSpPr>
+          <p:nvPr>
+            <p:ph type="body" idx="1"/>
+          </p:nvPr>
+        </p:nvSpPr>
+        <p:spPr/>
+        <p:txBody>
+          <a:bodyPr/>
+          <a:lstStyle/>
+          <a:p>
+            <a:endParaRPr lang="en-US" dirty="0"/>
+          </a:p>
+        </p:txBody>
+      </p:sp>
+      <p:sp>
+        <p:nvSpPr>
+          <p:cNvPr id="4" name="Slide Number Placeholder 3"/>
+          <p:cNvSpPr>
+            <a:spLocks noGrp="1"/>
+          </p:cNvSpPr>
+          <p:nvPr>
+            <p:ph type="sldNum" sz="quarter" idx="10"/>
+          </p:nvPr>
+        </p:nvSpPr>
+        <p:spPr/>
+        <p:txBody>
+          <a:bodyPr/>
+          <a:lstStyle/>
+          <a:p>
+            <a:fld id="{0E42B474-9894-41A2-AA85-6611977307B5}" type="slidenum">
+              <a:rPr lang="en-US" smtClean="0"/>
+              <a:t>15</a:t>
+            </a:fld>
+            <a:endParaRPr lang="en-US"/>
+          </a:p>
+        </p:txBody>
+      </p:sp>
+    </p:spTree>
+    <p:extLst>
+      <p:ext uri="{BB962C8B-B14F-4D97-AF65-F5344CB8AC3E}">
+        <p14:creationId xmlns:p14="http://schemas.microsoft.com/office/powerpoint/2010/main" val="481995540"/>
       </p:ext>
     </p:extLst>
   </p:cSld>
@@ -877,7 +1143,7 @@
           <a:p>
             <a:fld id="{B053294D-35D7-4DFC-94FB-8574C2B2E0FF}" type="datetimeFigureOut">
               <a:rPr lang="en-US" smtClean="0"/>
-              <a:t>10/18/2016</a:t>
+              <a:t>10/19/2016</a:t>
             </a:fld>
             <a:endParaRPr lang="en-US"/>
           </a:p>
@@ -1047,7 +1313,7 @@
           <a:p>
             <a:fld id="{B053294D-35D7-4DFC-94FB-8574C2B2E0FF}" type="datetimeFigureOut">
               <a:rPr lang="en-US" smtClean="0"/>
-              <a:t>10/18/2016</a:t>
+              <a:t>10/19/2016</a:t>
             </a:fld>
             <a:endParaRPr lang="en-US"/>
           </a:p>
@@ -1227,7 +1493,7 @@
           <a:p>
             <a:fld id="{B053294D-35D7-4DFC-94FB-8574C2B2E0FF}" type="datetimeFigureOut">
               <a:rPr lang="en-US" smtClean="0"/>
-              <a:t>10/18/2016</a:t>
+              <a:t>10/19/2016</a:t>
             </a:fld>
             <a:endParaRPr lang="en-US"/>
           </a:p>
@@ -1397,7 +1663,7 @@
           <a:p>
             <a:fld id="{B053294D-35D7-4DFC-94FB-8574C2B2E0FF}" type="datetimeFigureOut">
               <a:rPr lang="en-US" smtClean="0"/>
-              <a:t>10/18/2016</a:t>
+              <a:t>10/19/2016</a:t>
             </a:fld>
             <a:endParaRPr lang="en-US"/>
           </a:p>
@@ -1643,7 +1909,7 @@
           <a:p>
             <a:fld id="{B053294D-35D7-4DFC-94FB-8574C2B2E0FF}" type="datetimeFigureOut">
               <a:rPr lang="en-US" smtClean="0"/>
-              <a:t>10/18/2016</a:t>
+              <a:t>10/19/2016</a:t>
             </a:fld>
             <a:endParaRPr lang="en-US"/>
           </a:p>
@@ -1875,7 +2141,7 @@
           <a:p>
             <a:fld id="{B053294D-35D7-4DFC-94FB-8574C2B2E0FF}" type="datetimeFigureOut">
               <a:rPr lang="en-US" smtClean="0"/>
-              <a:t>10/18/2016</a:t>
+              <a:t>10/19/2016</a:t>
             </a:fld>
             <a:endParaRPr lang="en-US"/>
           </a:p>
@@ -2242,7 +2508,7 @@
           <a:p>
             <a:fld id="{B053294D-35D7-4DFC-94FB-8574C2B2E0FF}" type="datetimeFigureOut">
               <a:rPr lang="en-US" smtClean="0"/>
-              <a:t>10/18/2016</a:t>
+              <a:t>10/19/2016</a:t>
             </a:fld>
             <a:endParaRPr lang="en-US"/>
           </a:p>
@@ -2360,7 +2626,7 @@
           <a:p>
             <a:fld id="{B053294D-35D7-4DFC-94FB-8574C2B2E0FF}" type="datetimeFigureOut">
               <a:rPr lang="en-US" smtClean="0"/>
-              <a:t>10/18/2016</a:t>
+              <a:t>10/19/2016</a:t>
             </a:fld>
             <a:endParaRPr lang="en-US"/>
           </a:p>
@@ -2455,7 +2721,7 @@
           <a:p>
             <a:fld id="{B053294D-35D7-4DFC-94FB-8574C2B2E0FF}" type="datetimeFigureOut">
               <a:rPr lang="en-US" smtClean="0"/>
-              <a:t>10/18/2016</a:t>
+              <a:t>10/19/2016</a:t>
             </a:fld>
             <a:endParaRPr lang="en-US"/>
           </a:p>
@@ -2732,7 +2998,7 @@
           <a:p>
             <a:fld id="{B053294D-35D7-4DFC-94FB-8574C2B2E0FF}" type="datetimeFigureOut">
               <a:rPr lang="en-US" smtClean="0"/>
-              <a:t>10/18/2016</a:t>
+              <a:t>10/19/2016</a:t>
             </a:fld>
             <a:endParaRPr lang="en-US"/>
           </a:p>
@@ -2985,7 +3251,7 @@
           <a:p>
             <a:fld id="{B053294D-35D7-4DFC-94FB-8574C2B2E0FF}" type="datetimeFigureOut">
               <a:rPr lang="en-US" smtClean="0"/>
-              <a:t>10/18/2016</a:t>
+              <a:t>10/19/2016</a:t>
             </a:fld>
             <a:endParaRPr lang="en-US"/>
           </a:p>
@@ -3198,7 +3464,7 @@
           <a:p>
             <a:fld id="{B053294D-35D7-4DFC-94FB-8574C2B2E0FF}" type="datetimeFigureOut">
               <a:rPr lang="en-US" smtClean="0"/>
-              <a:t>10/18/2016</a:t>
+              <a:t>10/19/2016</a:t>
             </a:fld>
             <a:endParaRPr lang="en-US"/>
           </a:p>
@@ -3662,6 +3928,790 @@
 </p:sld>
 </file>
 
+<file path=ppt/slides/slide10.xml><?xml version="1.0" encoding="utf-8"?>
+<p:sld xmlns:a="http://schemas.openxmlformats.org/drawingml/2006/main" xmlns:r="http://schemas.openxmlformats.org/officeDocument/2006/relationships" xmlns:p="http://schemas.openxmlformats.org/presentationml/2006/main">
+  <p:cSld>
+    <p:spTree>
+      <p:nvGrpSpPr>
+        <p:cNvPr id="1" name=""/>
+        <p:cNvGrpSpPr/>
+        <p:nvPr/>
+      </p:nvGrpSpPr>
+      <p:grpSpPr>
+        <a:xfrm>
+          <a:off x="0" y="0"/>
+          <a:ext cx="0" cy="0"/>
+          <a:chOff x="0" y="0"/>
+          <a:chExt cx="0" cy="0"/>
+        </a:xfrm>
+      </p:grpSpPr>
+      <p:sp>
+        <p:nvSpPr>
+          <p:cNvPr id="2" name="Title 1"/>
+          <p:cNvSpPr>
+            <a:spLocks noGrp="1"/>
+          </p:cNvSpPr>
+          <p:nvPr>
+            <p:ph type="title"/>
+          </p:nvPr>
+        </p:nvSpPr>
+        <p:spPr/>
+        <p:txBody>
+          <a:bodyPr/>
+          <a:lstStyle/>
+          <a:p>
+            <a:r>
+              <a:rPr lang="en-US" dirty="0" smtClean="0"/>
+              <a:t>What can go wrong?</a:t>
+            </a:r>
+            <a:endParaRPr lang="en-US" dirty="0"/>
+          </a:p>
+        </p:txBody>
+      </p:sp>
+      <p:sp>
+        <p:nvSpPr>
+          <p:cNvPr id="3" name="Content Placeholder 2"/>
+          <p:cNvSpPr>
+            <a:spLocks noGrp="1"/>
+          </p:cNvSpPr>
+          <p:nvPr>
+            <p:ph idx="1"/>
+          </p:nvPr>
+        </p:nvSpPr>
+        <p:spPr/>
+        <p:txBody>
+          <a:bodyPr/>
+          <a:lstStyle/>
+          <a:p>
+            <a:r>
+              <a:rPr lang="en-US" dirty="0" smtClean="0"/>
+              <a:t>What is the difference?</a:t>
+            </a:r>
+          </a:p>
+          <a:p>
+            <a:endParaRPr lang="en-US" dirty="0"/>
+          </a:p>
+          <a:p>
+            <a:r>
+              <a:rPr lang="en-US" dirty="0" smtClean="0"/>
+              <a:t>JPA/Hibernate made the same number of queries, but instead chose to do them before materializing the collection.</a:t>
+            </a:r>
+          </a:p>
+          <a:p>
+            <a:endParaRPr lang="en-US" dirty="0"/>
+          </a:p>
+          <a:p>
+            <a:r>
+              <a:rPr lang="en-US" dirty="0" smtClean="0"/>
+              <a:t>Probably not what you want.</a:t>
+            </a:r>
+          </a:p>
+        </p:txBody>
+      </p:sp>
+    </p:spTree>
+    <p:extLst>
+      <p:ext uri="{BB962C8B-B14F-4D97-AF65-F5344CB8AC3E}">
+        <p14:creationId xmlns:p14="http://schemas.microsoft.com/office/powerpoint/2010/main" val="3989269434"/>
+      </p:ext>
+    </p:extLst>
+  </p:cSld>
+  <p:clrMapOvr>
+    <a:masterClrMapping/>
+  </p:clrMapOvr>
+</p:sld>
+</file>
+
+<file path=ppt/slides/slide11.xml><?xml version="1.0" encoding="utf-8"?>
+<p:sld xmlns:a="http://schemas.openxmlformats.org/drawingml/2006/main" xmlns:r="http://schemas.openxmlformats.org/officeDocument/2006/relationships" xmlns:p="http://schemas.openxmlformats.org/presentationml/2006/main">
+  <p:cSld>
+    <p:spTree>
+      <p:nvGrpSpPr>
+        <p:cNvPr id="1" name=""/>
+        <p:cNvGrpSpPr/>
+        <p:nvPr/>
+      </p:nvGrpSpPr>
+      <p:grpSpPr>
+        <a:xfrm>
+          <a:off x="0" y="0"/>
+          <a:ext cx="0" cy="0"/>
+          <a:chOff x="0" y="0"/>
+          <a:chExt cx="0" cy="0"/>
+        </a:xfrm>
+      </p:grpSpPr>
+      <p:sp>
+        <p:nvSpPr>
+          <p:cNvPr id="2" name="Title 1"/>
+          <p:cNvSpPr>
+            <a:spLocks noGrp="1"/>
+          </p:cNvSpPr>
+          <p:nvPr>
+            <p:ph type="title"/>
+          </p:nvPr>
+        </p:nvSpPr>
+        <p:spPr/>
+        <p:txBody>
+          <a:bodyPr/>
+          <a:lstStyle/>
+          <a:p>
+            <a:r>
+              <a:rPr lang="en-US" dirty="0" smtClean="0"/>
+              <a:t>What can go wrong?</a:t>
+            </a:r>
+            <a:endParaRPr lang="en-US" dirty="0"/>
+          </a:p>
+        </p:txBody>
+      </p:sp>
+      <p:sp>
+        <p:nvSpPr>
+          <p:cNvPr id="3" name="Content Placeholder 2"/>
+          <p:cNvSpPr>
+            <a:spLocks noGrp="1"/>
+          </p:cNvSpPr>
+          <p:nvPr>
+            <p:ph idx="1"/>
+          </p:nvPr>
+        </p:nvSpPr>
+        <p:spPr/>
+        <p:txBody>
+          <a:bodyPr/>
+          <a:lstStyle/>
+          <a:p>
+            <a:r>
+              <a:rPr lang="en-US" dirty="0" smtClean="0"/>
+              <a:t>Lets make a little edit to our code!</a:t>
+            </a:r>
+            <a:endParaRPr lang="en-US" dirty="0"/>
+          </a:p>
+        </p:txBody>
+      </p:sp>
+      <p:pic>
+        <p:nvPicPr>
+          <p:cNvPr id="5" name="Picture 4"/>
+          <p:cNvPicPr>
+            <a:picLocks noChangeAspect="1"/>
+          </p:cNvPicPr>
+          <p:nvPr/>
+        </p:nvPicPr>
+        <p:blipFill>
+          <a:blip r:embed="rId2"/>
+          <a:stretch>
+            <a:fillRect/>
+          </a:stretch>
+        </p:blipFill>
+        <p:spPr>
+          <a:xfrm>
+            <a:off x="2570205" y="2712523"/>
+            <a:ext cx="6088020" cy="2602685"/>
+          </a:xfrm>
+          <a:prstGeom prst="rect">
+            <a:avLst/>
+          </a:prstGeom>
+        </p:spPr>
+      </p:pic>
+    </p:spTree>
+    <p:extLst>
+      <p:ext uri="{BB962C8B-B14F-4D97-AF65-F5344CB8AC3E}">
+        <p14:creationId xmlns:p14="http://schemas.microsoft.com/office/powerpoint/2010/main" val="3332185141"/>
+      </p:ext>
+    </p:extLst>
+  </p:cSld>
+  <p:clrMapOvr>
+    <a:masterClrMapping/>
+  </p:clrMapOvr>
+</p:sld>
+</file>
+
+<file path=ppt/slides/slide12.xml><?xml version="1.0" encoding="utf-8"?>
+<p:sld xmlns:a="http://schemas.openxmlformats.org/drawingml/2006/main" xmlns:r="http://schemas.openxmlformats.org/officeDocument/2006/relationships" xmlns:p="http://schemas.openxmlformats.org/presentationml/2006/main">
+  <p:cSld>
+    <p:spTree>
+      <p:nvGrpSpPr>
+        <p:cNvPr id="1" name=""/>
+        <p:cNvGrpSpPr/>
+        <p:nvPr/>
+      </p:nvGrpSpPr>
+      <p:grpSpPr>
+        <a:xfrm>
+          <a:off x="0" y="0"/>
+          <a:ext cx="0" cy="0"/>
+          <a:chOff x="0" y="0"/>
+          <a:chExt cx="0" cy="0"/>
+        </a:xfrm>
+      </p:grpSpPr>
+      <p:sp>
+        <p:nvSpPr>
+          <p:cNvPr id="2" name="Title 1"/>
+          <p:cNvSpPr>
+            <a:spLocks noGrp="1"/>
+          </p:cNvSpPr>
+          <p:nvPr>
+            <p:ph type="title"/>
+          </p:nvPr>
+        </p:nvSpPr>
+        <p:spPr/>
+        <p:txBody>
+          <a:bodyPr/>
+          <a:lstStyle/>
+          <a:p>
+            <a:r>
+              <a:rPr lang="en-US" dirty="0" smtClean="0"/>
+              <a:t>What can go wrong?</a:t>
+            </a:r>
+            <a:endParaRPr lang="en-US" dirty="0"/>
+          </a:p>
+        </p:txBody>
+      </p:sp>
+      <p:sp>
+        <p:nvSpPr>
+          <p:cNvPr id="5" name="Content Placeholder 4"/>
+          <p:cNvSpPr>
+            <a:spLocks noGrp="1"/>
+          </p:cNvSpPr>
+          <p:nvPr>
+            <p:ph idx="1"/>
+          </p:nvPr>
+        </p:nvSpPr>
+        <p:spPr/>
+        <p:txBody>
+          <a:bodyPr/>
+          <a:lstStyle/>
+          <a:p>
+            <a:r>
+              <a:rPr lang="en-US" dirty="0" smtClean="0"/>
+              <a:t>Getting there! We’re down to a single query!</a:t>
+            </a:r>
+            <a:endParaRPr lang="en-US" dirty="0"/>
+          </a:p>
+        </p:txBody>
+      </p:sp>
+      <p:pic>
+        <p:nvPicPr>
+          <p:cNvPr id="6" name="Content Placeholder 3"/>
+          <p:cNvPicPr>
+            <a:picLocks noChangeAspect="1"/>
+          </p:cNvPicPr>
+          <p:nvPr/>
+        </p:nvPicPr>
+        <p:blipFill>
+          <a:blip r:embed="rId3"/>
+          <a:stretch>
+            <a:fillRect/>
+          </a:stretch>
+        </p:blipFill>
+        <p:spPr>
+          <a:xfrm>
+            <a:off x="4104116" y="2428570"/>
+            <a:ext cx="3983767" cy="3457772"/>
+          </a:xfrm>
+          <a:prstGeom prst="rect">
+            <a:avLst/>
+          </a:prstGeom>
+        </p:spPr>
+      </p:pic>
+    </p:spTree>
+    <p:extLst>
+      <p:ext uri="{BB962C8B-B14F-4D97-AF65-F5344CB8AC3E}">
+        <p14:creationId xmlns:p14="http://schemas.microsoft.com/office/powerpoint/2010/main" val="1603280344"/>
+      </p:ext>
+    </p:extLst>
+  </p:cSld>
+  <p:clrMapOvr>
+    <a:masterClrMapping/>
+  </p:clrMapOvr>
+</p:sld>
+</file>
+
+<file path=ppt/slides/slide13.xml><?xml version="1.0" encoding="utf-8"?>
+<p:sld xmlns:a="http://schemas.openxmlformats.org/drawingml/2006/main" xmlns:r="http://schemas.openxmlformats.org/officeDocument/2006/relationships" xmlns:p="http://schemas.openxmlformats.org/presentationml/2006/main">
+  <p:cSld>
+    <p:spTree>
+      <p:nvGrpSpPr>
+        <p:cNvPr id="1" name=""/>
+        <p:cNvGrpSpPr/>
+        <p:nvPr/>
+      </p:nvGrpSpPr>
+      <p:grpSpPr>
+        <a:xfrm>
+          <a:off x="0" y="0"/>
+          <a:ext cx="0" cy="0"/>
+          <a:chOff x="0" y="0"/>
+          <a:chExt cx="0" cy="0"/>
+        </a:xfrm>
+      </p:grpSpPr>
+      <p:sp>
+        <p:nvSpPr>
+          <p:cNvPr id="2" name="Title 1"/>
+          <p:cNvSpPr>
+            <a:spLocks noGrp="1"/>
+          </p:cNvSpPr>
+          <p:nvPr>
+            <p:ph type="title"/>
+          </p:nvPr>
+        </p:nvSpPr>
+        <p:spPr/>
+        <p:txBody>
+          <a:bodyPr/>
+          <a:lstStyle/>
+          <a:p>
+            <a:r>
+              <a:rPr lang="en-US" dirty="0" smtClean="0"/>
+              <a:t>What can go wrong?</a:t>
+            </a:r>
+            <a:endParaRPr lang="en-US" dirty="0"/>
+          </a:p>
+        </p:txBody>
+      </p:sp>
+      <p:sp>
+        <p:nvSpPr>
+          <p:cNvPr id="3" name="Content Placeholder 2"/>
+          <p:cNvSpPr>
+            <a:spLocks noGrp="1"/>
+          </p:cNvSpPr>
+          <p:nvPr>
+            <p:ph idx="1"/>
+          </p:nvPr>
+        </p:nvSpPr>
+        <p:spPr/>
+        <p:txBody>
+          <a:bodyPr/>
+          <a:lstStyle/>
+          <a:p>
+            <a:r>
+              <a:rPr lang="en-US" dirty="0" smtClean="0"/>
+              <a:t>1 query was made, but we have way too many results!</a:t>
+            </a:r>
+          </a:p>
+          <a:p>
+            <a:endParaRPr lang="en-US" dirty="0"/>
+          </a:p>
+          <a:p>
+            <a:r>
+              <a:rPr lang="en-US" dirty="0" smtClean="0"/>
+              <a:t>Hibernate has directly joined the AUTHOR table to BOOK</a:t>
+            </a:r>
+          </a:p>
+          <a:p>
+            <a:pPr lvl="1"/>
+            <a:r>
+              <a:rPr lang="en-US" dirty="0" smtClean="0"/>
+              <a:t>Our result set now has a size of n authors x m books.</a:t>
+            </a:r>
+          </a:p>
+          <a:p>
+            <a:pPr lvl="1"/>
+            <a:r>
+              <a:rPr lang="en-US" dirty="0" smtClean="0"/>
+              <a:t>Definitely not what we wanted or expected!</a:t>
+            </a:r>
+          </a:p>
+        </p:txBody>
+      </p:sp>
+    </p:spTree>
+    <p:extLst>
+      <p:ext uri="{BB962C8B-B14F-4D97-AF65-F5344CB8AC3E}">
+        <p14:creationId xmlns:p14="http://schemas.microsoft.com/office/powerpoint/2010/main" val="11650437"/>
+      </p:ext>
+    </p:extLst>
+  </p:cSld>
+  <p:clrMapOvr>
+    <a:masterClrMapping/>
+  </p:clrMapOvr>
+</p:sld>
+</file>
+
+<file path=ppt/slides/slide14.xml><?xml version="1.0" encoding="utf-8"?>
+<p:sld xmlns:a="http://schemas.openxmlformats.org/drawingml/2006/main" xmlns:r="http://schemas.openxmlformats.org/officeDocument/2006/relationships" xmlns:p="http://schemas.openxmlformats.org/presentationml/2006/main">
+  <p:cSld>
+    <p:spTree>
+      <p:nvGrpSpPr>
+        <p:cNvPr id="1" name=""/>
+        <p:cNvGrpSpPr/>
+        <p:nvPr/>
+      </p:nvGrpSpPr>
+      <p:grpSpPr>
+        <a:xfrm>
+          <a:off x="0" y="0"/>
+          <a:ext cx="0" cy="0"/>
+          <a:chOff x="0" y="0"/>
+          <a:chExt cx="0" cy="0"/>
+        </a:xfrm>
+      </p:grpSpPr>
+      <p:sp>
+        <p:nvSpPr>
+          <p:cNvPr id="2" name="Title 1"/>
+          <p:cNvSpPr>
+            <a:spLocks noGrp="1"/>
+          </p:cNvSpPr>
+          <p:nvPr>
+            <p:ph type="title"/>
+          </p:nvPr>
+        </p:nvSpPr>
+        <p:spPr/>
+        <p:txBody>
+          <a:bodyPr/>
+          <a:lstStyle/>
+          <a:p>
+            <a:r>
+              <a:rPr lang="en-US" dirty="0" smtClean="0"/>
+              <a:t>What can go wrong?</a:t>
+            </a:r>
+            <a:endParaRPr lang="en-US" dirty="0"/>
+          </a:p>
+        </p:txBody>
+      </p:sp>
+      <p:sp>
+        <p:nvSpPr>
+          <p:cNvPr id="3" name="Content Placeholder 2"/>
+          <p:cNvSpPr>
+            <a:spLocks noGrp="1"/>
+          </p:cNvSpPr>
+          <p:nvPr>
+            <p:ph idx="1"/>
+          </p:nvPr>
+        </p:nvSpPr>
+        <p:spPr/>
+        <p:txBody>
+          <a:bodyPr/>
+          <a:lstStyle/>
+          <a:p>
+            <a:r>
+              <a:rPr lang="en-US" dirty="0" smtClean="0"/>
+              <a:t>There, I fixed it:</a:t>
+            </a:r>
+            <a:endParaRPr lang="en-US" dirty="0"/>
+          </a:p>
+        </p:txBody>
+      </p:sp>
+      <p:pic>
+        <p:nvPicPr>
+          <p:cNvPr id="4" name="Picture 3"/>
+          <p:cNvPicPr>
+            <a:picLocks noChangeAspect="1"/>
+          </p:cNvPicPr>
+          <p:nvPr/>
+        </p:nvPicPr>
+        <p:blipFill>
+          <a:blip r:embed="rId2"/>
+          <a:stretch>
+            <a:fillRect/>
+          </a:stretch>
+        </p:blipFill>
+        <p:spPr>
+          <a:xfrm>
+            <a:off x="2847045" y="2735681"/>
+            <a:ext cx="6497909" cy="2531226"/>
+          </a:xfrm>
+          <a:prstGeom prst="rect">
+            <a:avLst/>
+          </a:prstGeom>
+        </p:spPr>
+      </p:pic>
+    </p:spTree>
+    <p:extLst>
+      <p:ext uri="{BB962C8B-B14F-4D97-AF65-F5344CB8AC3E}">
+        <p14:creationId xmlns:p14="http://schemas.microsoft.com/office/powerpoint/2010/main" val="3903389055"/>
+      </p:ext>
+    </p:extLst>
+  </p:cSld>
+  <p:clrMapOvr>
+    <a:masterClrMapping/>
+  </p:clrMapOvr>
+</p:sld>
+</file>
+
+<file path=ppt/slides/slide15.xml><?xml version="1.0" encoding="utf-8"?>
+<p:sld xmlns:a="http://schemas.openxmlformats.org/drawingml/2006/main" xmlns:r="http://schemas.openxmlformats.org/officeDocument/2006/relationships" xmlns:p="http://schemas.openxmlformats.org/presentationml/2006/main">
+  <p:cSld>
+    <p:spTree>
+      <p:nvGrpSpPr>
+        <p:cNvPr id="1" name=""/>
+        <p:cNvGrpSpPr/>
+        <p:nvPr/>
+      </p:nvGrpSpPr>
+      <p:grpSpPr>
+        <a:xfrm>
+          <a:off x="0" y="0"/>
+          <a:ext cx="0" cy="0"/>
+          <a:chOff x="0" y="0"/>
+          <a:chExt cx="0" cy="0"/>
+        </a:xfrm>
+      </p:grpSpPr>
+      <p:sp>
+        <p:nvSpPr>
+          <p:cNvPr id="2" name="Title 1"/>
+          <p:cNvSpPr>
+            <a:spLocks noGrp="1"/>
+          </p:cNvSpPr>
+          <p:nvPr>
+            <p:ph type="title"/>
+          </p:nvPr>
+        </p:nvSpPr>
+        <p:spPr/>
+        <p:txBody>
+          <a:bodyPr/>
+          <a:lstStyle/>
+          <a:p>
+            <a:r>
+              <a:rPr lang="en-US" dirty="0" smtClean="0"/>
+              <a:t>What could go wrong?</a:t>
+            </a:r>
+            <a:endParaRPr lang="en-US" dirty="0"/>
+          </a:p>
+        </p:txBody>
+      </p:sp>
+      <p:sp>
+        <p:nvSpPr>
+          <p:cNvPr id="3" name="Content Placeholder 2"/>
+          <p:cNvSpPr>
+            <a:spLocks noGrp="1"/>
+          </p:cNvSpPr>
+          <p:nvPr>
+            <p:ph idx="1"/>
+          </p:nvPr>
+        </p:nvSpPr>
+        <p:spPr/>
+        <p:txBody>
+          <a:bodyPr/>
+          <a:lstStyle/>
+          <a:p>
+            <a:r>
+              <a:rPr lang="en-US" dirty="0" smtClean="0"/>
+              <a:t>This finally produces the result set of objects we were looking for.</a:t>
+            </a:r>
+          </a:p>
+        </p:txBody>
+      </p:sp>
+      <p:pic>
+        <p:nvPicPr>
+          <p:cNvPr id="4" name="Picture 3"/>
+          <p:cNvPicPr>
+            <a:picLocks noChangeAspect="1"/>
+          </p:cNvPicPr>
+          <p:nvPr/>
+        </p:nvPicPr>
+        <p:blipFill>
+          <a:blip r:embed="rId3"/>
+          <a:stretch>
+            <a:fillRect/>
+          </a:stretch>
+        </p:blipFill>
+        <p:spPr>
+          <a:xfrm>
+            <a:off x="3484605" y="2309225"/>
+            <a:ext cx="4348935" cy="3867738"/>
+          </a:xfrm>
+          <a:prstGeom prst="rect">
+            <a:avLst/>
+          </a:prstGeom>
+        </p:spPr>
+      </p:pic>
+    </p:spTree>
+    <p:extLst>
+      <p:ext uri="{BB962C8B-B14F-4D97-AF65-F5344CB8AC3E}">
+        <p14:creationId xmlns:p14="http://schemas.microsoft.com/office/powerpoint/2010/main" val="1798435365"/>
+      </p:ext>
+    </p:extLst>
+  </p:cSld>
+  <p:clrMapOvr>
+    <a:masterClrMapping/>
+  </p:clrMapOvr>
+</p:sld>
+</file>
+
+<file path=ppt/slides/slide16.xml><?xml version="1.0" encoding="utf-8"?>
+<p:sld xmlns:a="http://schemas.openxmlformats.org/drawingml/2006/main" xmlns:r="http://schemas.openxmlformats.org/officeDocument/2006/relationships" xmlns:p="http://schemas.openxmlformats.org/presentationml/2006/main">
+  <p:cSld>
+    <p:spTree>
+      <p:nvGrpSpPr>
+        <p:cNvPr id="1" name=""/>
+        <p:cNvGrpSpPr/>
+        <p:nvPr/>
+      </p:nvGrpSpPr>
+      <p:grpSpPr>
+        <a:xfrm>
+          <a:off x="0" y="0"/>
+          <a:ext cx="0" cy="0"/>
+          <a:chOff x="0" y="0"/>
+          <a:chExt cx="0" cy="0"/>
+        </a:xfrm>
+      </p:grpSpPr>
+      <p:sp>
+        <p:nvSpPr>
+          <p:cNvPr id="2" name="Title 1"/>
+          <p:cNvSpPr>
+            <a:spLocks noGrp="1"/>
+          </p:cNvSpPr>
+          <p:nvPr>
+            <p:ph type="title"/>
+          </p:nvPr>
+        </p:nvSpPr>
+        <p:spPr/>
+        <p:txBody>
+          <a:bodyPr/>
+          <a:lstStyle/>
+          <a:p>
+            <a:r>
+              <a:rPr lang="en-US" dirty="0" smtClean="0"/>
+              <a:t>What could go wrong?</a:t>
+            </a:r>
+            <a:endParaRPr lang="en-US" dirty="0"/>
+          </a:p>
+        </p:txBody>
+      </p:sp>
+      <p:sp>
+        <p:nvSpPr>
+          <p:cNvPr id="3" name="Content Placeholder 2"/>
+          <p:cNvSpPr>
+            <a:spLocks noGrp="1"/>
+          </p:cNvSpPr>
+          <p:nvPr>
+            <p:ph idx="1"/>
+          </p:nvPr>
+        </p:nvSpPr>
+        <p:spPr/>
+        <p:txBody>
+          <a:bodyPr/>
+          <a:lstStyle/>
+          <a:p>
+            <a:r>
+              <a:rPr lang="en-US" dirty="0" smtClean="0"/>
+              <a:t>Some red flags here!</a:t>
+            </a:r>
+          </a:p>
+          <a:p>
+            <a:endParaRPr lang="en-US" dirty="0"/>
+          </a:p>
+          <a:p>
+            <a:r>
+              <a:rPr lang="en-US" dirty="0" smtClean="0"/>
+              <a:t>DISTINCT keyword</a:t>
+            </a:r>
+          </a:p>
+          <a:p>
+            <a:pPr lvl="1"/>
+            <a:r>
+              <a:rPr lang="en-US" dirty="0" smtClean="0"/>
+              <a:t>We’re Java object based, so the semantics of this depend on the equals method on the entity object.</a:t>
+            </a:r>
+          </a:p>
+          <a:p>
+            <a:pPr lvl="1"/>
+            <a:endParaRPr lang="en-US" dirty="0" smtClean="0"/>
+          </a:p>
+          <a:p>
+            <a:pPr lvl="1"/>
+            <a:r>
+              <a:rPr lang="en-US" dirty="0" smtClean="0"/>
+              <a:t>Change the SELECT statement, you can drastically change the result set that’s returned.</a:t>
+            </a:r>
+          </a:p>
+        </p:txBody>
+      </p:sp>
+    </p:spTree>
+    <p:extLst>
+      <p:ext uri="{BB962C8B-B14F-4D97-AF65-F5344CB8AC3E}">
+        <p14:creationId xmlns:p14="http://schemas.microsoft.com/office/powerpoint/2010/main" val="1492545304"/>
+      </p:ext>
+    </p:extLst>
+  </p:cSld>
+  <p:clrMapOvr>
+    <a:masterClrMapping/>
+  </p:clrMapOvr>
+</p:sld>
+</file>
+
+<file path=ppt/slides/slide17.xml><?xml version="1.0" encoding="utf-8"?>
+<p:sld xmlns:a="http://schemas.openxmlformats.org/drawingml/2006/main" xmlns:r="http://schemas.openxmlformats.org/officeDocument/2006/relationships" xmlns:p="http://schemas.openxmlformats.org/presentationml/2006/main">
+  <p:cSld>
+    <p:spTree>
+      <p:nvGrpSpPr>
+        <p:cNvPr id="1" name=""/>
+        <p:cNvGrpSpPr/>
+        <p:nvPr/>
+      </p:nvGrpSpPr>
+      <p:grpSpPr>
+        <a:xfrm>
+          <a:off x="0" y="0"/>
+          <a:ext cx="0" cy="0"/>
+          <a:chOff x="0" y="0"/>
+          <a:chExt cx="0" cy="0"/>
+        </a:xfrm>
+      </p:grpSpPr>
+      <p:sp>
+        <p:nvSpPr>
+          <p:cNvPr id="2" name="Title 1"/>
+          <p:cNvSpPr>
+            <a:spLocks noGrp="1"/>
+          </p:cNvSpPr>
+          <p:nvPr>
+            <p:ph type="title"/>
+          </p:nvPr>
+        </p:nvSpPr>
+        <p:spPr/>
+        <p:txBody>
+          <a:bodyPr/>
+          <a:lstStyle/>
+          <a:p>
+            <a:r>
+              <a:rPr lang="en-US" dirty="0" smtClean="0"/>
+              <a:t>Well, what’s the best approach?</a:t>
+            </a:r>
+            <a:endParaRPr lang="en-US" dirty="0"/>
+          </a:p>
+        </p:txBody>
+      </p:sp>
+      <p:sp>
+        <p:nvSpPr>
+          <p:cNvPr id="3" name="Content Placeholder 2"/>
+          <p:cNvSpPr>
+            <a:spLocks noGrp="1"/>
+          </p:cNvSpPr>
+          <p:nvPr>
+            <p:ph idx="1"/>
+          </p:nvPr>
+        </p:nvSpPr>
+        <p:spPr/>
+        <p:txBody>
+          <a:bodyPr/>
+          <a:lstStyle/>
+          <a:p>
+            <a:r>
+              <a:rPr lang="en-US" dirty="0" smtClean="0"/>
+              <a:t>Honest answer: There isn’t a best approach.</a:t>
+            </a:r>
+          </a:p>
+          <a:p>
+            <a:endParaRPr lang="en-US" dirty="0"/>
+          </a:p>
+          <a:p>
+            <a:r>
+              <a:rPr lang="en-US" dirty="0" smtClean="0"/>
+              <a:t>The best way is to simply think of how your JPQL query is going to be used and pick the best strategy.</a:t>
+            </a:r>
+          </a:p>
+          <a:p>
+            <a:pPr lvl="1"/>
+            <a:r>
+              <a:rPr lang="en-US" dirty="0" smtClean="0"/>
+              <a:t>Sometimes lazy fetching is perfectly fine.</a:t>
+            </a:r>
+            <a:endParaRPr lang="en-US" dirty="0"/>
+          </a:p>
+        </p:txBody>
+      </p:sp>
+    </p:spTree>
+    <p:extLst>
+      <p:ext uri="{BB962C8B-B14F-4D97-AF65-F5344CB8AC3E}">
+        <p14:creationId xmlns:p14="http://schemas.microsoft.com/office/powerpoint/2010/main" val="323280075"/>
+      </p:ext>
+    </p:extLst>
+  </p:cSld>
+  <p:clrMapOvr>
+    <a:masterClrMapping/>
+  </p:clrMapOvr>
+</p:sld>
+</file>
+
 <file path=ppt/slides/slide2.xml><?xml version="1.0" encoding="utf-8"?>
 <p:sld xmlns:a="http://schemas.openxmlformats.org/drawingml/2006/main" xmlns:r="http://schemas.openxmlformats.org/officeDocument/2006/relationships" xmlns:p="http://schemas.openxmlformats.org/presentationml/2006/main">
   <p:cSld>
@@ -3725,13 +4775,11 @@
           <a:p>
             <a:r>
               <a:rPr lang="en-US" dirty="0" smtClean="0"/>
-              <a:t>How does it differ from just writing SQL?</a:t>
-            </a:r>
-          </a:p>
-          <a:p>
-            <a:r>
-              <a:rPr lang="en-US" dirty="0" smtClean="0"/>
-              <a:t>Where you can go wrong, and understanding why it went wrong.</a:t>
+              <a:t>Where </a:t>
+            </a:r>
+            <a:r>
+              <a:rPr lang="en-US" dirty="0" smtClean="0"/>
+              <a:t>you can go wrong, and understanding why it went wrong.</a:t>
             </a:r>
           </a:p>
           <a:p>
@@ -3948,7 +4996,20 @@
           <a:bodyPr/>
           <a:lstStyle/>
           <a:p>
-            <a:endParaRPr lang="en-US"/>
+            <a:r>
+              <a:rPr lang="en-US" dirty="0" smtClean="0"/>
+              <a:t>Platform-independent object-oriented query language.</a:t>
+            </a:r>
+          </a:p>
+          <a:p>
+            <a:endParaRPr lang="en-US" dirty="0"/>
+          </a:p>
+          <a:p>
+            <a:r>
+              <a:rPr lang="en-US" dirty="0" smtClean="0"/>
+              <a:t>In short, it simplifies the writing of SQL using a SQL-like syntax that operates on Java objects instead of record sets.</a:t>
+            </a:r>
+            <a:endParaRPr lang="en-US" dirty="0"/>
           </a:p>
         </p:txBody>
       </p:sp>
@@ -4020,7 +5081,76 @@
           <a:bodyPr/>
           <a:lstStyle/>
           <a:p>
-            <a:endParaRPr lang="en-US"/>
+            <a:r>
+              <a:rPr lang="en-US" dirty="0" smtClean="0"/>
+              <a:t>Directly model tables in the relational database.</a:t>
+            </a:r>
+          </a:p>
+          <a:p>
+            <a:endParaRPr lang="en-US" dirty="0"/>
+          </a:p>
+          <a:p>
+            <a:r>
+              <a:rPr lang="en-US" dirty="0" smtClean="0"/>
+              <a:t>Each instance of an Entity represents a single row in that table.</a:t>
+            </a:r>
+          </a:p>
+          <a:p>
+            <a:endParaRPr lang="en-US" dirty="0"/>
+          </a:p>
+          <a:p>
+            <a:r>
+              <a:rPr lang="en-US" dirty="0" smtClean="0"/>
+              <a:t>Entities can have relationships to other entities.</a:t>
+            </a:r>
+          </a:p>
+          <a:p>
+            <a:pPr lvl="1"/>
+            <a:r>
+              <a:rPr lang="en-US" dirty="0" smtClean="0"/>
+              <a:t>@</a:t>
+            </a:r>
+            <a:r>
+              <a:rPr lang="en-US" dirty="0" err="1" smtClean="0"/>
+              <a:t>OneToOne</a:t>
+            </a:r>
+            <a:endParaRPr lang="en-US" dirty="0" smtClean="0"/>
+          </a:p>
+          <a:p>
+            <a:pPr lvl="1"/>
+            <a:r>
+              <a:rPr lang="en-US" dirty="0" smtClean="0"/>
+              <a:t>@</a:t>
+            </a:r>
+            <a:r>
+              <a:rPr lang="en-US" dirty="0" err="1" smtClean="0"/>
+              <a:t>OneToMany</a:t>
+            </a:r>
+            <a:endParaRPr lang="en-US" dirty="0" smtClean="0"/>
+          </a:p>
+          <a:p>
+            <a:pPr lvl="1"/>
+            <a:r>
+              <a:rPr lang="en-US" dirty="0" smtClean="0"/>
+              <a:t>@</a:t>
+            </a:r>
+            <a:r>
+              <a:rPr lang="en-US" dirty="0" err="1" smtClean="0"/>
+              <a:t>ManyToOne</a:t>
+            </a:r>
+            <a:endParaRPr lang="en-US" dirty="0" smtClean="0"/>
+          </a:p>
+          <a:p>
+            <a:pPr lvl="1"/>
+            <a:r>
+              <a:rPr lang="en-US" dirty="0" smtClean="0"/>
+              <a:t>@</a:t>
+            </a:r>
+            <a:r>
+              <a:rPr lang="en-US" dirty="0" err="1" smtClean="0"/>
+              <a:t>ManyToMany</a:t>
+            </a:r>
+            <a:endParaRPr lang="en-US" dirty="0" smtClean="0"/>
           </a:p>
         </p:txBody>
       </p:sp>
@@ -4071,7 +5201,7 @@
           <a:p>
             <a:r>
               <a:rPr lang="en-US" dirty="0" smtClean="0"/>
-              <a:t>Why not just write SQL?</a:t>
+              <a:t>What can go wrong?</a:t>
             </a:r>
             <a:endParaRPr lang="en-US" dirty="0"/>
           </a:p>
@@ -4092,14 +5222,49 @@
           <a:bodyPr/>
           <a:lstStyle/>
           <a:p>
-            <a:endParaRPr lang="en-US"/>
-          </a:p>
-        </p:txBody>
-      </p:sp>
+            <a:r>
+              <a:rPr lang="en-US" dirty="0" smtClean="0"/>
+              <a:t>Consider the following simple JPQL query and code:</a:t>
+            </a:r>
+          </a:p>
+          <a:p>
+            <a:pPr lvl="1"/>
+            <a:r>
+              <a:rPr lang="en-US" dirty="0" smtClean="0"/>
+              <a:t>Simple, right?</a:t>
+            </a:r>
+            <a:endParaRPr lang="en-US" dirty="0"/>
+          </a:p>
+        </p:txBody>
+      </p:sp>
+      <p:pic>
+        <p:nvPicPr>
+          <p:cNvPr id="6" name="Picture 5"/>
+          <p:cNvPicPr>
+            <a:picLocks noChangeAspect="1"/>
+          </p:cNvPicPr>
+          <p:nvPr/>
+        </p:nvPicPr>
+        <p:blipFill>
+          <a:blip r:embed="rId3"/>
+          <a:stretch>
+            <a:fillRect/>
+          </a:stretch>
+        </p:blipFill>
+        <p:spPr>
+          <a:xfrm>
+            <a:off x="2857500" y="2979215"/>
+            <a:ext cx="6477000" cy="3332685"/>
+          </a:xfrm>
+          <a:prstGeom prst="rect">
+            <a:avLst/>
+          </a:prstGeom>
+        </p:spPr>
+      </p:pic>
     </p:spTree>
     <p:extLst>
       <p:ext uri="{BB962C8B-B14F-4D97-AF65-F5344CB8AC3E}">
-        <p14:creationId xmlns:p14="http://schemas.microsoft.com/office/powerpoint/2010/main" val="4128916391"/>
+        <p14:creationId xmlns:p14="http://schemas.microsoft.com/office/powerpoint/2010/main" val="1319365476"/>
       </p:ext>
     </p:extLst>
   </p:cSld>
@@ -4164,14 +5329,42 @@
           <a:bodyPr/>
           <a:lstStyle/>
           <a:p>
-            <a:endParaRPr lang="en-US"/>
-          </a:p>
-        </p:txBody>
-      </p:sp>
+            <a:r>
+              <a:rPr lang="en-US" dirty="0" smtClean="0"/>
+              <a:t>To see what went wrong, we should look to see what SQL gets generated when we run that code.</a:t>
+            </a:r>
+            <a:endParaRPr lang="en-US" dirty="0"/>
+          </a:p>
+        </p:txBody>
+      </p:sp>
+      <p:pic>
+        <p:nvPicPr>
+          <p:cNvPr id="4" name="Picture 3"/>
+          <p:cNvPicPr>
+            <a:picLocks noChangeAspect="1"/>
+          </p:cNvPicPr>
+          <p:nvPr/>
+        </p:nvPicPr>
+        <p:blipFill>
+          <a:blip r:embed="rId2"/>
+          <a:stretch>
+            <a:fillRect/>
+          </a:stretch>
+        </p:blipFill>
+        <p:spPr>
+          <a:xfrm>
+            <a:off x="4233155" y="2843637"/>
+            <a:ext cx="3725690" cy="4014363"/>
+          </a:xfrm>
+          <a:prstGeom prst="rect">
+            <a:avLst/>
+          </a:prstGeom>
+        </p:spPr>
+      </p:pic>
     </p:spTree>
     <p:extLst>
       <p:ext uri="{BB962C8B-B14F-4D97-AF65-F5344CB8AC3E}">
-        <p14:creationId xmlns:p14="http://schemas.microsoft.com/office/powerpoint/2010/main" val="1319365476"/>
+        <p14:creationId xmlns:p14="http://schemas.microsoft.com/office/powerpoint/2010/main" val="2744202179"/>
       </p:ext>
     </p:extLst>
   </p:cSld>
@@ -4215,7 +5408,7 @@
           <a:p>
             <a:r>
               <a:rPr lang="en-US" dirty="0" smtClean="0"/>
-              <a:t>Okay, where do we start?</a:t>
+              <a:t>What can go wrong?</a:t>
             </a:r>
             <a:endParaRPr lang="en-US" dirty="0"/>
           </a:p>
@@ -4236,14 +5429,159 @@
           <a:bodyPr/>
           <a:lstStyle/>
           <a:p>
-            <a:endParaRPr lang="en-US"/>
+            <a:r>
+              <a:rPr lang="en-US" dirty="0" smtClean="0"/>
+              <a:t>That’s 2 separate queries for each and every item in the returned list.</a:t>
+            </a:r>
+          </a:p>
+          <a:p>
+            <a:pPr lvl="1"/>
+            <a:r>
+              <a:rPr lang="en-US" dirty="0" smtClean="0"/>
+              <a:t>This can get amazingly expensive for large datasets.</a:t>
+            </a:r>
+          </a:p>
+          <a:p>
+            <a:pPr lvl="1"/>
+            <a:endParaRPr lang="en-US" dirty="0"/>
+          </a:p>
+          <a:p>
+            <a:r>
+              <a:rPr lang="en-US" dirty="0" smtClean="0"/>
+              <a:t>Fetching strategy is to blame</a:t>
+            </a:r>
+          </a:p>
+          <a:p>
+            <a:pPr lvl="1"/>
+            <a:r>
+              <a:rPr lang="en-US" dirty="0" smtClean="0"/>
+              <a:t>Hibernate (our JPA implementation of choice) defaults to “Lazy” fetching of child collections.</a:t>
+            </a:r>
+          </a:p>
+          <a:p>
+            <a:pPr lvl="1"/>
+            <a:r>
+              <a:rPr lang="en-US" dirty="0" smtClean="0"/>
+              <a:t>Faster if you never expect to access child collections.</a:t>
+            </a:r>
+          </a:p>
+          <a:p>
+            <a:pPr lvl="1"/>
+            <a:endParaRPr lang="en-US" dirty="0"/>
+          </a:p>
+          <a:p>
+            <a:r>
+              <a:rPr lang="en-US" dirty="0" smtClean="0"/>
+              <a:t>Commonly known as the n+1 query problem in JPA.</a:t>
+            </a:r>
+            <a:endParaRPr lang="en-US" dirty="0"/>
           </a:p>
         </p:txBody>
       </p:sp>
     </p:spTree>
     <p:extLst>
       <p:ext uri="{BB962C8B-B14F-4D97-AF65-F5344CB8AC3E}">
-        <p14:creationId xmlns:p14="http://schemas.microsoft.com/office/powerpoint/2010/main" val="2744202179"/>
+        <p14:creationId xmlns:p14="http://schemas.microsoft.com/office/powerpoint/2010/main" val="3934420982"/>
+      </p:ext>
+    </p:extLst>
+  </p:cSld>
+  <p:clrMapOvr>
+    <a:masterClrMapping/>
+  </p:clrMapOvr>
+</p:sld>
+</file>
+
+<file path=ppt/slides/slide9.xml><?xml version="1.0" encoding="utf-8"?>
+<p:sld xmlns:a="http://schemas.openxmlformats.org/drawingml/2006/main" xmlns:r="http://schemas.openxmlformats.org/officeDocument/2006/relationships" xmlns:p="http://schemas.openxmlformats.org/presentationml/2006/main">
+  <p:cSld>
+    <p:spTree>
+      <p:nvGrpSpPr>
+        <p:cNvPr id="1" name=""/>
+        <p:cNvGrpSpPr/>
+        <p:nvPr/>
+      </p:nvGrpSpPr>
+      <p:grpSpPr>
+        <a:xfrm>
+          <a:off x="0" y="0"/>
+          <a:ext cx="0" cy="0"/>
+          <a:chOff x="0" y="0"/>
+          <a:chExt cx="0" cy="0"/>
+        </a:xfrm>
+      </p:grpSpPr>
+      <p:sp>
+        <p:nvSpPr>
+          <p:cNvPr id="2" name="Title 1"/>
+          <p:cNvSpPr>
+            <a:spLocks noGrp="1"/>
+          </p:cNvSpPr>
+          <p:nvPr>
+            <p:ph type="title"/>
+          </p:nvPr>
+        </p:nvSpPr>
+        <p:spPr/>
+        <p:txBody>
+          <a:bodyPr/>
+          <a:lstStyle/>
+          <a:p>
+            <a:r>
+              <a:rPr lang="en-US" dirty="0" smtClean="0"/>
+              <a:t>What can go wrong?	</a:t>
+            </a:r>
+            <a:endParaRPr lang="en-US" dirty="0"/>
+          </a:p>
+        </p:txBody>
+      </p:sp>
+      <p:sp>
+        <p:nvSpPr>
+          <p:cNvPr id="3" name="Content Placeholder 2"/>
+          <p:cNvSpPr>
+            <a:spLocks noGrp="1"/>
+          </p:cNvSpPr>
+          <p:nvPr>
+            <p:ph idx="1"/>
+          </p:nvPr>
+        </p:nvSpPr>
+        <p:spPr/>
+        <p:txBody>
+          <a:bodyPr/>
+          <a:lstStyle/>
+          <a:p>
+            <a:r>
+              <a:rPr lang="en-US" dirty="0" smtClean="0"/>
+              <a:t>What about “Eager” fetching?</a:t>
+            </a:r>
+            <a:endParaRPr lang="en-US" dirty="0"/>
+          </a:p>
+        </p:txBody>
+      </p:sp>
+      <p:pic>
+        <p:nvPicPr>
+          <p:cNvPr id="4" name="Picture 3"/>
+          <p:cNvPicPr>
+            <a:picLocks noChangeAspect="1"/>
+          </p:cNvPicPr>
+          <p:nvPr/>
+        </p:nvPicPr>
+        <p:blipFill>
+          <a:blip r:embed="rId3"/>
+          <a:stretch>
+            <a:fillRect/>
+          </a:stretch>
+        </p:blipFill>
+        <p:spPr>
+          <a:xfrm>
+            <a:off x="4411362" y="2448131"/>
+            <a:ext cx="3379444" cy="4409869"/>
+          </a:xfrm>
+          <a:prstGeom prst="rect">
+            <a:avLst/>
+          </a:prstGeom>
+        </p:spPr>
+      </p:pic>
+    </p:spTree>
+    <p:extLst>
+      <p:ext uri="{BB962C8B-B14F-4D97-AF65-F5344CB8AC3E}">
+        <p14:creationId xmlns:p14="http://schemas.microsoft.com/office/powerpoint/2010/main" val="697883260"/>
       </p:ext>
     </p:extLst>
   </p:cSld>

--- a/JPA-JPQL Query Performance.pptx
+++ b/JPA-JPQL Query Performance.pptx
@@ -5,7 +5,7 @@
     <p:sldMasterId id="2147483648" r:id="rId1"/>
   </p:sldMasterIdLst>
   <p:notesMasterIdLst>
-    <p:notesMasterId r:id="rId19"/>
+    <p:notesMasterId r:id="rId22"/>
   </p:notesMasterIdLst>
   <p:sldIdLst>
     <p:sldId id="256" r:id="rId2"/>
@@ -25,6 +25,9 @@
     <p:sldId id="271" r:id="rId16"/>
     <p:sldId id="272" r:id="rId17"/>
     <p:sldId id="273" r:id="rId18"/>
+    <p:sldId id="274" r:id="rId19"/>
+    <p:sldId id="275" r:id="rId20"/>
+    <p:sldId id="276" r:id="rId21"/>
   </p:sldIdLst>
   <p:sldSz cx="12192000" cy="6858000"/>
   <p:notesSz cx="6858000" cy="9144000"/>
@@ -239,7 +242,7 @@
           <a:p>
             <a:fld id="{82BF8903-3F4A-4A2C-83EA-FF6ECD7D1204}" type="datetimeFigureOut">
               <a:rPr lang="en-US" smtClean="0"/>
-              <a:t>10/19/2016</a:t>
+              <a:t>10/20/2016</a:t>
             </a:fld>
             <a:endParaRPr lang="en-US"/>
           </a:p>
@@ -825,7 +828,7 @@
           <a:p>
             <a:fld id="{0E42B474-9894-41A2-AA85-6611977307B5}" type="slidenum">
               <a:rPr lang="en-US" smtClean="0"/>
-              <a:t>9</a:t>
+              <a:t>7</a:t>
             </a:fld>
             <a:endParaRPr lang="en-US"/>
           </a:p>
@@ -834,7 +837,7 @@
     </p:spTree>
     <p:extLst>
       <p:ext uri="{BB962C8B-B14F-4D97-AF65-F5344CB8AC3E}">
-        <p14:creationId xmlns:p14="http://schemas.microsoft.com/office/powerpoint/2010/main" val="2191715262"/>
+        <p14:creationId xmlns:p14="http://schemas.microsoft.com/office/powerpoint/2010/main" val="4147771356"/>
       </p:ext>
     </p:extLst>
   </p:cSld>
@@ -909,7 +912,7 @@
           <a:p>
             <a:fld id="{0E42B474-9894-41A2-AA85-6611977307B5}" type="slidenum">
               <a:rPr lang="en-US" smtClean="0"/>
-              <a:t>12</a:t>
+              <a:t>9</a:t>
             </a:fld>
             <a:endParaRPr lang="en-US"/>
           </a:p>
@@ -918,7 +921,7 @@
     </p:spTree>
     <p:extLst>
       <p:ext uri="{BB962C8B-B14F-4D97-AF65-F5344CB8AC3E}">
-        <p14:creationId xmlns:p14="http://schemas.microsoft.com/office/powerpoint/2010/main" val="4242811874"/>
+        <p14:creationId xmlns:p14="http://schemas.microsoft.com/office/powerpoint/2010/main" val="2191715262"/>
       </p:ext>
     </p:extLst>
   </p:cSld>
@@ -993,6 +996,90 @@
           <a:p>
             <a:fld id="{0E42B474-9894-41A2-AA85-6611977307B5}" type="slidenum">
               <a:rPr lang="en-US" smtClean="0"/>
+              <a:t>12</a:t>
+            </a:fld>
+            <a:endParaRPr lang="en-US"/>
+          </a:p>
+        </p:txBody>
+      </p:sp>
+    </p:spTree>
+    <p:extLst>
+      <p:ext uri="{BB962C8B-B14F-4D97-AF65-F5344CB8AC3E}">
+        <p14:creationId xmlns:p14="http://schemas.microsoft.com/office/powerpoint/2010/main" val="4242811874"/>
+      </p:ext>
+    </p:extLst>
+  </p:cSld>
+  <p:clrMapOvr>
+    <a:masterClrMapping/>
+  </p:clrMapOvr>
+</p:notes>
+</file>
+
+<file path=ppt/notesSlides/notesSlide6.xml><?xml version="1.0" encoding="utf-8"?>
+<p:notes xmlns:a="http://schemas.openxmlformats.org/drawingml/2006/main" xmlns:r="http://schemas.openxmlformats.org/officeDocument/2006/relationships" xmlns:p="http://schemas.openxmlformats.org/presentationml/2006/main">
+  <p:cSld>
+    <p:spTree>
+      <p:nvGrpSpPr>
+        <p:cNvPr id="1" name=""/>
+        <p:cNvGrpSpPr/>
+        <p:nvPr/>
+      </p:nvGrpSpPr>
+      <p:grpSpPr>
+        <a:xfrm>
+          <a:off x="0" y="0"/>
+          <a:ext cx="0" cy="0"/>
+          <a:chOff x="0" y="0"/>
+          <a:chExt cx="0" cy="0"/>
+        </a:xfrm>
+      </p:grpSpPr>
+      <p:sp>
+        <p:nvSpPr>
+          <p:cNvPr id="2" name="Slide Image Placeholder 1"/>
+          <p:cNvSpPr>
+            <a:spLocks noGrp="1" noRot="1" noChangeAspect="1"/>
+          </p:cNvSpPr>
+          <p:nvPr>
+            <p:ph type="sldImg"/>
+          </p:nvPr>
+        </p:nvSpPr>
+        <p:spPr/>
+      </p:sp>
+      <p:sp>
+        <p:nvSpPr>
+          <p:cNvPr id="3" name="Notes Placeholder 2"/>
+          <p:cNvSpPr>
+            <a:spLocks noGrp="1"/>
+          </p:cNvSpPr>
+          <p:nvPr>
+            <p:ph type="body" idx="1"/>
+          </p:nvPr>
+        </p:nvSpPr>
+        <p:spPr/>
+        <p:txBody>
+          <a:bodyPr/>
+          <a:lstStyle/>
+          <a:p>
+            <a:endParaRPr lang="en-US" dirty="0"/>
+          </a:p>
+        </p:txBody>
+      </p:sp>
+      <p:sp>
+        <p:nvSpPr>
+          <p:cNvPr id="4" name="Slide Number Placeholder 3"/>
+          <p:cNvSpPr>
+            <a:spLocks noGrp="1"/>
+          </p:cNvSpPr>
+          <p:nvPr>
+            <p:ph type="sldNum" sz="quarter" idx="10"/>
+          </p:nvPr>
+        </p:nvSpPr>
+        <p:spPr/>
+        <p:txBody>
+          <a:bodyPr/>
+          <a:lstStyle/>
+          <a:p>
+            <a:fld id="{0E42B474-9894-41A2-AA85-6611977307B5}" type="slidenum">
+              <a:rPr lang="en-US" smtClean="0"/>
               <a:t>15</a:t>
             </a:fld>
             <a:endParaRPr lang="en-US"/>
@@ -1003,6 +1090,90 @@
     <p:extLst>
       <p:ext uri="{BB962C8B-B14F-4D97-AF65-F5344CB8AC3E}">
         <p14:creationId xmlns:p14="http://schemas.microsoft.com/office/powerpoint/2010/main" val="481995540"/>
+      </p:ext>
+    </p:extLst>
+  </p:cSld>
+  <p:clrMapOvr>
+    <a:masterClrMapping/>
+  </p:clrMapOvr>
+</p:notes>
+</file>
+
+<file path=ppt/notesSlides/notesSlide7.xml><?xml version="1.0" encoding="utf-8"?>
+<p:notes xmlns:a="http://schemas.openxmlformats.org/drawingml/2006/main" xmlns:r="http://schemas.openxmlformats.org/officeDocument/2006/relationships" xmlns:p="http://schemas.openxmlformats.org/presentationml/2006/main">
+  <p:cSld>
+    <p:spTree>
+      <p:nvGrpSpPr>
+        <p:cNvPr id="1" name=""/>
+        <p:cNvGrpSpPr/>
+        <p:nvPr/>
+      </p:nvGrpSpPr>
+      <p:grpSpPr>
+        <a:xfrm>
+          <a:off x="0" y="0"/>
+          <a:ext cx="0" cy="0"/>
+          <a:chOff x="0" y="0"/>
+          <a:chExt cx="0" cy="0"/>
+        </a:xfrm>
+      </p:grpSpPr>
+      <p:sp>
+        <p:nvSpPr>
+          <p:cNvPr id="2" name="Slide Image Placeholder 1"/>
+          <p:cNvSpPr>
+            <a:spLocks noGrp="1" noRot="1" noChangeAspect="1"/>
+          </p:cNvSpPr>
+          <p:nvPr>
+            <p:ph type="sldImg"/>
+          </p:nvPr>
+        </p:nvSpPr>
+        <p:spPr/>
+      </p:sp>
+      <p:sp>
+        <p:nvSpPr>
+          <p:cNvPr id="3" name="Notes Placeholder 2"/>
+          <p:cNvSpPr>
+            <a:spLocks noGrp="1"/>
+          </p:cNvSpPr>
+          <p:nvPr>
+            <p:ph type="body" idx="1"/>
+          </p:nvPr>
+        </p:nvSpPr>
+        <p:spPr/>
+        <p:txBody>
+          <a:bodyPr/>
+          <a:lstStyle/>
+          <a:p>
+            <a:endParaRPr lang="en-US" dirty="0"/>
+          </a:p>
+        </p:txBody>
+      </p:sp>
+      <p:sp>
+        <p:nvSpPr>
+          <p:cNvPr id="4" name="Slide Number Placeholder 3"/>
+          <p:cNvSpPr>
+            <a:spLocks noGrp="1"/>
+          </p:cNvSpPr>
+          <p:nvPr>
+            <p:ph type="sldNum" sz="quarter" idx="10"/>
+          </p:nvPr>
+        </p:nvSpPr>
+        <p:spPr/>
+        <p:txBody>
+          <a:bodyPr/>
+          <a:lstStyle/>
+          <a:p>
+            <a:fld id="{0E42B474-9894-41A2-AA85-6611977307B5}" type="slidenum">
+              <a:rPr lang="en-US" smtClean="0"/>
+              <a:t>19</a:t>
+            </a:fld>
+            <a:endParaRPr lang="en-US"/>
+          </a:p>
+        </p:txBody>
+      </p:sp>
+    </p:spTree>
+    <p:extLst>
+      <p:ext uri="{BB962C8B-B14F-4D97-AF65-F5344CB8AC3E}">
+        <p14:creationId xmlns:p14="http://schemas.microsoft.com/office/powerpoint/2010/main" val="3959916918"/>
       </p:ext>
     </p:extLst>
   </p:cSld>
@@ -1143,7 +1314,7 @@
           <a:p>
             <a:fld id="{B053294D-35D7-4DFC-94FB-8574C2B2E0FF}" type="datetimeFigureOut">
               <a:rPr lang="en-US" smtClean="0"/>
-              <a:t>10/19/2016</a:t>
+              <a:t>10/20/2016</a:t>
             </a:fld>
             <a:endParaRPr lang="en-US"/>
           </a:p>
@@ -1313,7 +1484,7 @@
           <a:p>
             <a:fld id="{B053294D-35D7-4DFC-94FB-8574C2B2E0FF}" type="datetimeFigureOut">
               <a:rPr lang="en-US" smtClean="0"/>
-              <a:t>10/19/2016</a:t>
+              <a:t>10/20/2016</a:t>
             </a:fld>
             <a:endParaRPr lang="en-US"/>
           </a:p>
@@ -1493,7 +1664,7 @@
           <a:p>
             <a:fld id="{B053294D-35D7-4DFC-94FB-8574C2B2E0FF}" type="datetimeFigureOut">
               <a:rPr lang="en-US" smtClean="0"/>
-              <a:t>10/19/2016</a:t>
+              <a:t>10/20/2016</a:t>
             </a:fld>
             <a:endParaRPr lang="en-US"/>
           </a:p>
@@ -1663,7 +1834,7 @@
           <a:p>
             <a:fld id="{B053294D-35D7-4DFC-94FB-8574C2B2E0FF}" type="datetimeFigureOut">
               <a:rPr lang="en-US" smtClean="0"/>
-              <a:t>10/19/2016</a:t>
+              <a:t>10/20/2016</a:t>
             </a:fld>
             <a:endParaRPr lang="en-US"/>
           </a:p>
@@ -1909,7 +2080,7 @@
           <a:p>
             <a:fld id="{B053294D-35D7-4DFC-94FB-8574C2B2E0FF}" type="datetimeFigureOut">
               <a:rPr lang="en-US" smtClean="0"/>
-              <a:t>10/19/2016</a:t>
+              <a:t>10/20/2016</a:t>
             </a:fld>
             <a:endParaRPr lang="en-US"/>
           </a:p>
@@ -2141,7 +2312,7 @@
           <a:p>
             <a:fld id="{B053294D-35D7-4DFC-94FB-8574C2B2E0FF}" type="datetimeFigureOut">
               <a:rPr lang="en-US" smtClean="0"/>
-              <a:t>10/19/2016</a:t>
+              <a:t>10/20/2016</a:t>
             </a:fld>
             <a:endParaRPr lang="en-US"/>
           </a:p>
@@ -2508,7 +2679,7 @@
           <a:p>
             <a:fld id="{B053294D-35D7-4DFC-94FB-8574C2B2E0FF}" type="datetimeFigureOut">
               <a:rPr lang="en-US" smtClean="0"/>
-              <a:t>10/19/2016</a:t>
+              <a:t>10/20/2016</a:t>
             </a:fld>
             <a:endParaRPr lang="en-US"/>
           </a:p>
@@ -2626,7 +2797,7 @@
           <a:p>
             <a:fld id="{B053294D-35D7-4DFC-94FB-8574C2B2E0FF}" type="datetimeFigureOut">
               <a:rPr lang="en-US" smtClean="0"/>
-              <a:t>10/19/2016</a:t>
+              <a:t>10/20/2016</a:t>
             </a:fld>
             <a:endParaRPr lang="en-US"/>
           </a:p>
@@ -2721,7 +2892,7 @@
           <a:p>
             <a:fld id="{B053294D-35D7-4DFC-94FB-8574C2B2E0FF}" type="datetimeFigureOut">
               <a:rPr lang="en-US" smtClean="0"/>
-              <a:t>10/19/2016</a:t>
+              <a:t>10/20/2016</a:t>
             </a:fld>
             <a:endParaRPr lang="en-US"/>
           </a:p>
@@ -2998,7 +3169,7 @@
           <a:p>
             <a:fld id="{B053294D-35D7-4DFC-94FB-8574C2B2E0FF}" type="datetimeFigureOut">
               <a:rPr lang="en-US" smtClean="0"/>
-              <a:t>10/19/2016</a:t>
+              <a:t>10/20/2016</a:t>
             </a:fld>
             <a:endParaRPr lang="en-US"/>
           </a:p>
@@ -3251,7 +3422,7 @@
           <a:p>
             <a:fld id="{B053294D-35D7-4DFC-94FB-8574C2B2E0FF}" type="datetimeFigureOut">
               <a:rPr lang="en-US" smtClean="0"/>
-              <a:t>10/19/2016</a:t>
+              <a:t>10/20/2016</a:t>
             </a:fld>
             <a:endParaRPr lang="en-US"/>
           </a:p>
@@ -3464,7 +3635,7 @@
           <a:p>
             <a:fld id="{B053294D-35D7-4DFC-94FB-8574C2B2E0FF}" type="datetimeFigureOut">
               <a:rPr lang="en-US" smtClean="0"/>
-              <a:t>10/19/2016</a:t>
+              <a:t>10/20/2016</a:t>
             </a:fld>
             <a:endParaRPr lang="en-US"/>
           </a:p>
@@ -4584,8 +4755,15 @@
           <a:p>
             <a:r>
               <a:rPr lang="en-US" dirty="0" smtClean="0"/>
-              <a:t>DISTINCT keyword</a:t>
-            </a:r>
+              <a:t>DISTINCT </a:t>
+            </a:r>
+            <a:r>
+              <a:rPr lang="en-US" dirty="0" smtClean="0"/>
+              <a:t>keyword</a:t>
+            </a:r>
+          </a:p>
+          <a:p>
+            <a:endParaRPr lang="en-US" dirty="0" smtClean="0"/>
           </a:p>
           <a:p>
             <a:pPr lvl="1"/>
@@ -4686,16 +4864,24 @@
           <a:p>
             <a:r>
               <a:rPr lang="en-US" dirty="0" smtClean="0"/>
-              <a:t>The best way is to simply think of how your JPQL query is going to be used and pick the best strategy.</a:t>
+              <a:t>The best way is to simply think of how your JPQL query is going to be used and pick the best strategy</a:t>
+            </a:r>
+            <a:r>
+              <a:rPr lang="en-US" dirty="0" smtClean="0"/>
+              <a:t>.</a:t>
             </a:r>
           </a:p>
           <a:p>
             <a:pPr lvl="1"/>
-            <a:r>
-              <a:rPr lang="en-US" dirty="0" smtClean="0"/>
-              <a:t>Sometimes lazy fetching is perfectly fine.</a:t>
-            </a:r>
-            <a:endParaRPr lang="en-US" dirty="0"/>
+            <a:endParaRPr lang="en-US" dirty="0" smtClean="0"/>
+          </a:p>
+          <a:p>
+            <a:pPr lvl="1"/>
+            <a:r>
+              <a:rPr lang="en-US" dirty="0" smtClean="0"/>
+              <a:t>Preferring lazy fetching is often a good approach.</a:t>
+            </a:r>
+            <a:endParaRPr lang="en-US" dirty="0" smtClean="0"/>
           </a:p>
         </p:txBody>
       </p:sp>
@@ -4703,6 +4889,297 @@
     <p:extLst>
       <p:ext uri="{BB962C8B-B14F-4D97-AF65-F5344CB8AC3E}">
         <p14:creationId xmlns:p14="http://schemas.microsoft.com/office/powerpoint/2010/main" val="323280075"/>
+      </p:ext>
+    </p:extLst>
+  </p:cSld>
+  <p:clrMapOvr>
+    <a:masterClrMapping/>
+  </p:clrMapOvr>
+</p:sld>
+</file>
+
+<file path=ppt/slides/slide18.xml><?xml version="1.0" encoding="utf-8"?>
+<p:sld xmlns:a="http://schemas.openxmlformats.org/drawingml/2006/main" xmlns:r="http://schemas.openxmlformats.org/officeDocument/2006/relationships" xmlns:p="http://schemas.openxmlformats.org/presentationml/2006/main">
+  <p:cSld>
+    <p:spTree>
+      <p:nvGrpSpPr>
+        <p:cNvPr id="1" name=""/>
+        <p:cNvGrpSpPr/>
+        <p:nvPr/>
+      </p:nvGrpSpPr>
+      <p:grpSpPr>
+        <a:xfrm>
+          <a:off x="0" y="0"/>
+          <a:ext cx="0" cy="0"/>
+          <a:chOff x="0" y="0"/>
+          <a:chExt cx="0" cy="0"/>
+        </a:xfrm>
+      </p:grpSpPr>
+      <p:sp>
+        <p:nvSpPr>
+          <p:cNvPr id="2" name="Title 1"/>
+          <p:cNvSpPr>
+            <a:spLocks noGrp="1"/>
+          </p:cNvSpPr>
+          <p:nvPr>
+            <p:ph type="title"/>
+          </p:nvPr>
+        </p:nvSpPr>
+        <p:spPr/>
+        <p:txBody>
+          <a:bodyPr/>
+          <a:lstStyle/>
+          <a:p>
+            <a:r>
+              <a:rPr lang="en-US" dirty="0" smtClean="0"/>
+              <a:t>How to fix stuff when it goes wrong</a:t>
+            </a:r>
+            <a:endParaRPr lang="en-US" dirty="0"/>
+          </a:p>
+        </p:txBody>
+      </p:sp>
+      <p:sp>
+        <p:nvSpPr>
+          <p:cNvPr id="3" name="Content Placeholder 2"/>
+          <p:cNvSpPr>
+            <a:spLocks noGrp="1"/>
+          </p:cNvSpPr>
+          <p:nvPr>
+            <p:ph idx="1"/>
+          </p:nvPr>
+        </p:nvSpPr>
+        <p:spPr/>
+        <p:txBody>
+          <a:bodyPr>
+            <a:normAutofit fontScale="85000" lnSpcReduction="20000"/>
+          </a:bodyPr>
+          <a:lstStyle/>
+          <a:p>
+            <a:r>
+              <a:rPr lang="en-US" dirty="0" smtClean="0"/>
+              <a:t>One tradeoff of the JPA/ORM approach is a lack of transparency.</a:t>
+            </a:r>
+          </a:p>
+          <a:p>
+            <a:endParaRPr lang="en-US" dirty="0"/>
+          </a:p>
+          <a:p>
+            <a:pPr lvl="1"/>
+            <a:r>
+              <a:rPr lang="en-US" dirty="0" smtClean="0"/>
+              <a:t>With SQL you are generally in direct control of what gets executed on the RDBMS server.</a:t>
+            </a:r>
+          </a:p>
+          <a:p>
+            <a:pPr lvl="1"/>
+            <a:endParaRPr lang="en-US" dirty="0" smtClean="0"/>
+          </a:p>
+          <a:p>
+            <a:pPr lvl="1"/>
+            <a:r>
+              <a:rPr lang="en-US" dirty="0" smtClean="0"/>
+              <a:t>Lack of transparency when dealing with managed objects.</a:t>
+            </a:r>
+          </a:p>
+          <a:p>
+            <a:endParaRPr lang="en-US" dirty="0"/>
+          </a:p>
+          <a:p>
+            <a:r>
+              <a:rPr lang="en-US" dirty="0" smtClean="0"/>
+              <a:t>Logging!</a:t>
+            </a:r>
+          </a:p>
+          <a:p>
+            <a:endParaRPr lang="en-US" dirty="0" smtClean="0"/>
+          </a:p>
+          <a:p>
+            <a:pPr lvl="1"/>
+            <a:r>
+              <a:rPr lang="en-US" dirty="0" smtClean="0"/>
+              <a:t>Most JPA implementations like Hibernate have incredibly useful logging switches.</a:t>
+            </a:r>
+          </a:p>
+          <a:p>
+            <a:pPr lvl="1"/>
+            <a:endParaRPr lang="en-US" dirty="0" smtClean="0"/>
+          </a:p>
+          <a:p>
+            <a:pPr lvl="1"/>
+            <a:r>
+              <a:rPr lang="en-US" dirty="0" smtClean="0"/>
+              <a:t>Check your implementation’s documentation for the flags needed to enable things like:</a:t>
+            </a:r>
+          </a:p>
+          <a:p>
+            <a:pPr lvl="2"/>
+            <a:r>
+              <a:rPr lang="en-US" dirty="0" smtClean="0"/>
+              <a:t>JPA query output</a:t>
+            </a:r>
+          </a:p>
+          <a:p>
+            <a:pPr lvl="2"/>
+            <a:r>
+              <a:rPr lang="en-US" dirty="0" smtClean="0"/>
+              <a:t>SQL query logging</a:t>
+            </a:r>
+          </a:p>
+          <a:p>
+            <a:pPr lvl="2"/>
+            <a:r>
+              <a:rPr lang="en-US" dirty="0" smtClean="0"/>
+              <a:t>Query plan output</a:t>
+            </a:r>
+            <a:endParaRPr lang="en-US" dirty="0"/>
+          </a:p>
+        </p:txBody>
+      </p:sp>
+    </p:spTree>
+    <p:extLst>
+      <p:ext uri="{BB962C8B-B14F-4D97-AF65-F5344CB8AC3E}">
+        <p14:creationId xmlns:p14="http://schemas.microsoft.com/office/powerpoint/2010/main" val="4048704935"/>
+      </p:ext>
+    </p:extLst>
+  </p:cSld>
+  <p:clrMapOvr>
+    <a:masterClrMapping/>
+  </p:clrMapOvr>
+</p:sld>
+</file>
+
+<file path=ppt/slides/slide19.xml><?xml version="1.0" encoding="utf-8"?>
+<p:sld xmlns:a="http://schemas.openxmlformats.org/drawingml/2006/main" xmlns:r="http://schemas.openxmlformats.org/officeDocument/2006/relationships" xmlns:p="http://schemas.openxmlformats.org/presentationml/2006/main">
+  <p:cSld>
+    <p:spTree>
+      <p:nvGrpSpPr>
+        <p:cNvPr id="1" name=""/>
+        <p:cNvGrpSpPr/>
+        <p:nvPr/>
+      </p:nvGrpSpPr>
+      <p:grpSpPr>
+        <a:xfrm>
+          <a:off x="0" y="0"/>
+          <a:ext cx="0" cy="0"/>
+          <a:chOff x="0" y="0"/>
+          <a:chExt cx="0" cy="0"/>
+        </a:xfrm>
+      </p:grpSpPr>
+      <p:sp>
+        <p:nvSpPr>
+          <p:cNvPr id="2" name="Title 1"/>
+          <p:cNvSpPr>
+            <a:spLocks noGrp="1"/>
+          </p:cNvSpPr>
+          <p:nvPr>
+            <p:ph type="title"/>
+          </p:nvPr>
+        </p:nvSpPr>
+        <p:spPr/>
+        <p:txBody>
+          <a:bodyPr/>
+          <a:lstStyle/>
+          <a:p>
+            <a:r>
+              <a:rPr lang="en-US" dirty="0" smtClean="0"/>
+              <a:t>Other ways to improve performance	</a:t>
+            </a:r>
+            <a:endParaRPr lang="en-US" dirty="0"/>
+          </a:p>
+        </p:txBody>
+      </p:sp>
+      <p:sp>
+        <p:nvSpPr>
+          <p:cNvPr id="3" name="Content Placeholder 2"/>
+          <p:cNvSpPr>
+            <a:spLocks noGrp="1"/>
+          </p:cNvSpPr>
+          <p:nvPr>
+            <p:ph idx="1"/>
+          </p:nvPr>
+        </p:nvSpPr>
+        <p:spPr/>
+        <p:txBody>
+          <a:bodyPr>
+            <a:normAutofit fontScale="85000" lnSpcReduction="20000"/>
+          </a:bodyPr>
+          <a:lstStyle/>
+          <a:p>
+            <a:r>
+              <a:rPr lang="en-US" dirty="0" smtClean="0"/>
+              <a:t>Caching!</a:t>
+            </a:r>
+          </a:p>
+          <a:p>
+            <a:endParaRPr lang="en-US" dirty="0"/>
+          </a:p>
+          <a:p>
+            <a:r>
+              <a:rPr lang="en-US" dirty="0" smtClean="0"/>
+              <a:t>JPA has what is called a Level 2 cache, with two modes:</a:t>
+            </a:r>
+          </a:p>
+          <a:p>
+            <a:endParaRPr lang="en-US" dirty="0" smtClean="0"/>
+          </a:p>
+          <a:p>
+            <a:pPr lvl="1"/>
+            <a:r>
+              <a:rPr lang="en-US" dirty="0" smtClean="0"/>
+              <a:t>Object cache.</a:t>
+            </a:r>
+          </a:p>
+          <a:p>
+            <a:pPr lvl="1"/>
+            <a:endParaRPr lang="en-US" dirty="0" smtClean="0"/>
+          </a:p>
+          <a:p>
+            <a:pPr lvl="1"/>
+            <a:r>
+              <a:rPr lang="en-US" dirty="0" smtClean="0"/>
+              <a:t>Query cache.</a:t>
+            </a:r>
+          </a:p>
+          <a:p>
+            <a:pPr lvl="1"/>
+            <a:endParaRPr lang="en-US" dirty="0"/>
+          </a:p>
+          <a:p>
+            <a:r>
+              <a:rPr lang="en-US" dirty="0" smtClean="0"/>
+              <a:t>Different use cases, pick the one that makes most sense for your </a:t>
+            </a:r>
+          </a:p>
+          <a:p>
+            <a:r>
+              <a:rPr lang="en-US" dirty="0" smtClean="0"/>
+              <a:t>application.</a:t>
+            </a:r>
+          </a:p>
+          <a:p>
+            <a:pPr lvl="1"/>
+            <a:r>
+              <a:rPr lang="en-US" dirty="0" smtClean="0"/>
+              <a:t>Object cache is good for retrieving the same object by id without hitting the db.</a:t>
+            </a:r>
+          </a:p>
+          <a:p>
+            <a:pPr lvl="1"/>
+            <a:endParaRPr lang="en-US" dirty="0" smtClean="0"/>
+          </a:p>
+          <a:p>
+            <a:pPr lvl="1"/>
+            <a:r>
+              <a:rPr lang="en-US" dirty="0" smtClean="0"/>
+              <a:t>Query cache is best for general queries that are run often.</a:t>
+            </a:r>
+          </a:p>
+        </p:txBody>
+      </p:sp>
+    </p:spTree>
+    <p:extLst>
+      <p:ext uri="{BB962C8B-B14F-4D97-AF65-F5344CB8AC3E}">
+        <p14:creationId xmlns:p14="http://schemas.microsoft.com/office/powerpoint/2010/main" val="835445824"/>
       </p:ext>
     </p:extLst>
   </p:cSld>
@@ -4775,11 +5252,7 @@
           <a:p>
             <a:r>
               <a:rPr lang="en-US" dirty="0" smtClean="0"/>
-              <a:t>Where </a:t>
-            </a:r>
-            <a:r>
-              <a:rPr lang="en-US" dirty="0" smtClean="0"/>
-              <a:t>you can go wrong, and understanding why it went wrong.</a:t>
+              <a:t>Where you can go wrong, and understanding why it went wrong.</a:t>
             </a:r>
           </a:p>
           <a:p>
@@ -4809,6 +5282,105 @@
     <p:extLst>
       <p:ext uri="{BB962C8B-B14F-4D97-AF65-F5344CB8AC3E}">
         <p14:creationId xmlns:p14="http://schemas.microsoft.com/office/powerpoint/2010/main" val="618587205"/>
+      </p:ext>
+    </p:extLst>
+  </p:cSld>
+  <p:clrMapOvr>
+    <a:masterClrMapping/>
+  </p:clrMapOvr>
+</p:sld>
+</file>
+
+<file path=ppt/slides/slide20.xml><?xml version="1.0" encoding="utf-8"?>
+<p:sld xmlns:a="http://schemas.openxmlformats.org/drawingml/2006/main" xmlns:r="http://schemas.openxmlformats.org/officeDocument/2006/relationships" xmlns:p="http://schemas.openxmlformats.org/presentationml/2006/main">
+  <p:cSld>
+    <p:spTree>
+      <p:nvGrpSpPr>
+        <p:cNvPr id="1" name=""/>
+        <p:cNvGrpSpPr/>
+        <p:nvPr/>
+      </p:nvGrpSpPr>
+      <p:grpSpPr>
+        <a:xfrm>
+          <a:off x="0" y="0"/>
+          <a:ext cx="0" cy="0"/>
+          <a:chOff x="0" y="0"/>
+          <a:chExt cx="0" cy="0"/>
+        </a:xfrm>
+      </p:grpSpPr>
+      <p:sp>
+        <p:nvSpPr>
+          <p:cNvPr id="2" name="Title 1"/>
+          <p:cNvSpPr>
+            <a:spLocks noGrp="1"/>
+          </p:cNvSpPr>
+          <p:nvPr>
+            <p:ph type="title"/>
+          </p:nvPr>
+        </p:nvSpPr>
+        <p:spPr/>
+        <p:txBody>
+          <a:bodyPr/>
+          <a:lstStyle/>
+          <a:p>
+            <a:r>
+              <a:rPr lang="en-US" dirty="0" smtClean="0"/>
+              <a:t>Fin</a:t>
+            </a:r>
+            <a:endParaRPr lang="en-US" dirty="0"/>
+          </a:p>
+        </p:txBody>
+      </p:sp>
+      <p:sp>
+        <p:nvSpPr>
+          <p:cNvPr id="3" name="Content Placeholder 2"/>
+          <p:cNvSpPr>
+            <a:spLocks noGrp="1"/>
+          </p:cNvSpPr>
+          <p:nvPr>
+            <p:ph idx="1"/>
+          </p:nvPr>
+        </p:nvSpPr>
+        <p:spPr/>
+        <p:txBody>
+          <a:bodyPr/>
+          <a:lstStyle/>
+          <a:p>
+            <a:r>
+              <a:rPr lang="en-US" dirty="0" smtClean="0"/>
+              <a:t>Questions?</a:t>
+            </a:r>
+          </a:p>
+          <a:p>
+            <a:endParaRPr lang="en-US" dirty="0"/>
+          </a:p>
+          <a:p>
+            <a:r>
+              <a:rPr lang="en-US" dirty="0" smtClean="0"/>
+              <a:t>Slides and code are on </a:t>
+            </a:r>
+            <a:r>
+              <a:rPr lang="en-US" dirty="0" err="1" smtClean="0"/>
+              <a:t>github</a:t>
+            </a:r>
+            <a:r>
+              <a:rPr lang="en-US" dirty="0"/>
+              <a:t>: </a:t>
+            </a:r>
+            <a:r>
+              <a:rPr lang="en-US" dirty="0">
+                <a:hlinkClick r:id="rId2"/>
+              </a:rPr>
+              <a:t>https://github.com/sfaria/jpa-demo</a:t>
+            </a:r>
+            <a:endParaRPr lang="en-US" dirty="0"/>
+          </a:p>
+        </p:txBody>
+      </p:sp>
+    </p:spTree>
+    <p:extLst>
+      <p:ext uri="{BB962C8B-B14F-4D97-AF65-F5344CB8AC3E}">
+        <p14:creationId xmlns:p14="http://schemas.microsoft.com/office/powerpoint/2010/main" val="3456494085"/>
       </p:ext>
     </p:extLst>
   </p:cSld>
@@ -5339,22 +5911,22 @@
       </p:sp>
       <p:pic>
         <p:nvPicPr>
-          <p:cNvPr id="4" name="Picture 3"/>
+          <p:cNvPr id="5" name="Picture 4"/>
           <p:cNvPicPr>
             <a:picLocks noChangeAspect="1"/>
           </p:cNvPicPr>
           <p:nvPr/>
         </p:nvPicPr>
         <p:blipFill>
-          <a:blip r:embed="rId2"/>
+          <a:blip r:embed="rId3"/>
           <a:stretch>
             <a:fillRect/>
           </a:stretch>
         </p:blipFill>
         <p:spPr>
           <a:xfrm>
-            <a:off x="4233155" y="2843637"/>
-            <a:ext cx="3725690" cy="4014363"/>
+            <a:off x="4229100" y="2847975"/>
+            <a:ext cx="3733800" cy="4010025"/>
           </a:xfrm>
           <a:prstGeom prst="rect">
             <a:avLst/>

--- a/JPA-JPQL Query Performance.pptx
+++ b/JPA-JPQL Query Performance.pptx
@@ -4755,11 +4755,7 @@
           <a:p>
             <a:r>
               <a:rPr lang="en-US" dirty="0" smtClean="0"/>
-              <a:t>DISTINCT </a:t>
-            </a:r>
-            <a:r>
-              <a:rPr lang="en-US" dirty="0" smtClean="0"/>
-              <a:t>keyword</a:t>
+              <a:t>DISTINCT keyword</a:t>
             </a:r>
           </a:p>
           <a:p>
@@ -4850,7 +4846,9 @@
         </p:nvSpPr>
         <p:spPr/>
         <p:txBody>
-          <a:bodyPr/>
+          <a:bodyPr>
+            <a:normAutofit fontScale="92500" lnSpcReduction="20000"/>
+          </a:bodyPr>
           <a:lstStyle/>
           <a:p>
             <a:r>
@@ -4864,11 +4862,7 @@
           <a:p>
             <a:r>
               <a:rPr lang="en-US" dirty="0" smtClean="0"/>
-              <a:t>The best way is to simply think of how your JPQL query is going to be used and pick the best strategy</a:t>
-            </a:r>
-            <a:r>
-              <a:rPr lang="en-US" dirty="0" smtClean="0"/>
-              <a:t>.</a:t>
+              <a:t>The best way is to simply think of how your JPQL query is going to be used and pick the best strategy.</a:t>
             </a:r>
           </a:p>
           <a:p>
@@ -4879,9 +4873,42 @@
             <a:pPr lvl="1"/>
             <a:r>
               <a:rPr lang="en-US" dirty="0" smtClean="0"/>
-              <a:t>Preferring lazy fetching is often a good approach.</a:t>
-            </a:r>
+              <a:t>Preferring lazy fetching is often a good approach</a:t>
+            </a:r>
+            <a:r>
+              <a:rPr lang="en-US" dirty="0" smtClean="0"/>
+              <a:t>.</a:t>
+            </a:r>
+          </a:p>
+          <a:p>
+            <a:pPr lvl="1"/>
+            <a:endParaRPr lang="en-US" dirty="0"/>
+          </a:p>
+          <a:p>
+            <a:r>
+              <a:rPr lang="en-US" dirty="0" smtClean="0"/>
+              <a:t>Use pagination! It’s built into JPA for a reason!</a:t>
+            </a:r>
+          </a:p>
+          <a:p>
+            <a:endParaRPr lang="en-US" dirty="0"/>
+          </a:p>
+          <a:p>
+            <a:r>
+              <a:rPr lang="en-US" dirty="0" smtClean="0"/>
+              <a:t>Minimize your result sets as much as possible.</a:t>
+            </a:r>
+          </a:p>
+          <a:p>
             <a:endParaRPr lang="en-US" dirty="0" smtClean="0"/>
+          </a:p>
+          <a:p>
+            <a:pPr lvl="1"/>
+            <a:r>
+              <a:rPr lang="en-US" dirty="0" smtClean="0"/>
+              <a:t>Just need an ID? Only return it instead of the whole object.</a:t>
+            </a:r>
+            <a:endParaRPr lang="en-US" dirty="0"/>
           </a:p>
         </p:txBody>
       </p:sp>
@@ -5101,7 +5128,7 @@
         <p:spPr/>
         <p:txBody>
           <a:bodyPr>
-            <a:normAutofit fontScale="85000" lnSpcReduction="20000"/>
+            <a:normAutofit fontScale="70000" lnSpcReduction="20000"/>
           </a:bodyPr>
           <a:lstStyle/>
           <a:p>
@@ -5153,8 +5180,15 @@
           <a:p>
             <a:r>
               <a:rPr lang="en-US" dirty="0" smtClean="0"/>
-              <a:t>application.</a:t>
-            </a:r>
+              <a:t>application</a:t>
+            </a:r>
+            <a:r>
+              <a:rPr lang="en-US" dirty="0" smtClean="0"/>
+              <a:t>.</a:t>
+            </a:r>
+          </a:p>
+          <a:p>
+            <a:endParaRPr lang="en-US" dirty="0" smtClean="0"/>
           </a:p>
           <a:p>
             <a:pPr lvl="1"/>

--- a/JPA-JPQL Query Performance.pptx
+++ b/JPA-JPQL Query Performance.pptx
@@ -242,7 +242,7 @@
           <a:p>
             <a:fld id="{82BF8903-3F4A-4A2C-83EA-FF6ECD7D1204}" type="datetimeFigureOut">
               <a:rPr lang="en-US" smtClean="0"/>
-              <a:t>10/20/2016</a:t>
+              <a:t>10/21/2016</a:t>
             </a:fld>
             <a:endParaRPr lang="en-US"/>
           </a:p>
@@ -1314,7 +1314,7 @@
           <a:p>
             <a:fld id="{B053294D-35D7-4DFC-94FB-8574C2B2E0FF}" type="datetimeFigureOut">
               <a:rPr lang="en-US" smtClean="0"/>
-              <a:t>10/20/2016</a:t>
+              <a:t>10/21/2016</a:t>
             </a:fld>
             <a:endParaRPr lang="en-US"/>
           </a:p>
@@ -1484,7 +1484,7 @@
           <a:p>
             <a:fld id="{B053294D-35D7-4DFC-94FB-8574C2B2E0FF}" type="datetimeFigureOut">
               <a:rPr lang="en-US" smtClean="0"/>
-              <a:t>10/20/2016</a:t>
+              <a:t>10/21/2016</a:t>
             </a:fld>
             <a:endParaRPr lang="en-US"/>
           </a:p>
@@ -1664,7 +1664,7 @@
           <a:p>
             <a:fld id="{B053294D-35D7-4DFC-94FB-8574C2B2E0FF}" type="datetimeFigureOut">
               <a:rPr lang="en-US" smtClean="0"/>
-              <a:t>10/20/2016</a:t>
+              <a:t>10/21/2016</a:t>
             </a:fld>
             <a:endParaRPr lang="en-US"/>
           </a:p>
@@ -1834,7 +1834,7 @@
           <a:p>
             <a:fld id="{B053294D-35D7-4DFC-94FB-8574C2B2E0FF}" type="datetimeFigureOut">
               <a:rPr lang="en-US" smtClean="0"/>
-              <a:t>10/20/2016</a:t>
+              <a:t>10/21/2016</a:t>
             </a:fld>
             <a:endParaRPr lang="en-US"/>
           </a:p>
@@ -2080,7 +2080,7 @@
           <a:p>
             <a:fld id="{B053294D-35D7-4DFC-94FB-8574C2B2E0FF}" type="datetimeFigureOut">
               <a:rPr lang="en-US" smtClean="0"/>
-              <a:t>10/20/2016</a:t>
+              <a:t>10/21/2016</a:t>
             </a:fld>
             <a:endParaRPr lang="en-US"/>
           </a:p>
@@ -2312,7 +2312,7 @@
           <a:p>
             <a:fld id="{B053294D-35D7-4DFC-94FB-8574C2B2E0FF}" type="datetimeFigureOut">
               <a:rPr lang="en-US" smtClean="0"/>
-              <a:t>10/20/2016</a:t>
+              <a:t>10/21/2016</a:t>
             </a:fld>
             <a:endParaRPr lang="en-US"/>
           </a:p>
@@ -2679,7 +2679,7 @@
           <a:p>
             <a:fld id="{B053294D-35D7-4DFC-94FB-8574C2B2E0FF}" type="datetimeFigureOut">
               <a:rPr lang="en-US" smtClean="0"/>
-              <a:t>10/20/2016</a:t>
+              <a:t>10/21/2016</a:t>
             </a:fld>
             <a:endParaRPr lang="en-US"/>
           </a:p>
@@ -2797,7 +2797,7 @@
           <a:p>
             <a:fld id="{B053294D-35D7-4DFC-94FB-8574C2B2E0FF}" type="datetimeFigureOut">
               <a:rPr lang="en-US" smtClean="0"/>
-              <a:t>10/20/2016</a:t>
+              <a:t>10/21/2016</a:t>
             </a:fld>
             <a:endParaRPr lang="en-US"/>
           </a:p>
@@ -2892,7 +2892,7 @@
           <a:p>
             <a:fld id="{B053294D-35D7-4DFC-94FB-8574C2B2E0FF}" type="datetimeFigureOut">
               <a:rPr lang="en-US" smtClean="0"/>
-              <a:t>10/20/2016</a:t>
+              <a:t>10/21/2016</a:t>
             </a:fld>
             <a:endParaRPr lang="en-US"/>
           </a:p>
@@ -3169,7 +3169,7 @@
           <a:p>
             <a:fld id="{B053294D-35D7-4DFC-94FB-8574C2B2E0FF}" type="datetimeFigureOut">
               <a:rPr lang="en-US" smtClean="0"/>
-              <a:t>10/20/2016</a:t>
+              <a:t>10/21/2016</a:t>
             </a:fld>
             <a:endParaRPr lang="en-US"/>
           </a:p>
@@ -3422,7 +3422,7 @@
           <a:p>
             <a:fld id="{B053294D-35D7-4DFC-94FB-8574C2B2E0FF}" type="datetimeFigureOut">
               <a:rPr lang="en-US" smtClean="0"/>
-              <a:t>10/20/2016</a:t>
+              <a:t>10/21/2016</a:t>
             </a:fld>
             <a:endParaRPr lang="en-US"/>
           </a:p>
@@ -3635,7 +3635,7 @@
           <a:p>
             <a:fld id="{B053294D-35D7-4DFC-94FB-8574C2B2E0FF}" type="datetimeFigureOut">
               <a:rPr lang="en-US" smtClean="0"/>
-              <a:t>10/20/2016</a:t>
+              <a:t>10/21/2016</a:t>
             </a:fld>
             <a:endParaRPr lang="en-US"/>
           </a:p>
@@ -4873,11 +4873,7 @@
             <a:pPr lvl="1"/>
             <a:r>
               <a:rPr lang="en-US" dirty="0" smtClean="0"/>
-              <a:t>Preferring lazy fetching is often a good approach</a:t>
-            </a:r>
-            <a:r>
-              <a:rPr lang="en-US" dirty="0" smtClean="0"/>
-              <a:t>.</a:t>
+              <a:t>Preferring lazy fetching is often a good approach.</a:t>
             </a:r>
           </a:p>
           <a:p>
@@ -5128,13 +5124,30 @@
         <p:spPr/>
         <p:txBody>
           <a:bodyPr>
-            <a:normAutofit fontScale="70000" lnSpcReduction="20000"/>
+            <a:normAutofit fontScale="55000" lnSpcReduction="20000"/>
           </a:bodyPr>
           <a:lstStyle/>
           <a:p>
             <a:r>
               <a:rPr lang="en-US" dirty="0" smtClean="0"/>
-              <a:t>Caching!</a:t>
+              <a:t>Keep your entities as simple as </a:t>
+            </a:r>
+            <a:r>
+              <a:rPr lang="en-US" smtClean="0"/>
+              <a:t>possible!</a:t>
+            </a:r>
+          </a:p>
+          <a:p>
+            <a:endParaRPr lang="en-US" dirty="0" smtClean="0"/>
+          </a:p>
+          <a:p>
+            <a:r>
+              <a:rPr lang="en-US" dirty="0" smtClean="0"/>
+              <a:t>Caching</a:t>
+            </a:r>
+            <a:r>
+              <a:rPr lang="en-US" dirty="0" smtClean="0"/>
+              <a:t>!</a:t>
             </a:r>
           </a:p>
           <a:p>
@@ -5180,11 +5193,7 @@
           <a:p>
             <a:r>
               <a:rPr lang="en-US" dirty="0" smtClean="0"/>
-              <a:t>application</a:t>
-            </a:r>
-            <a:r>
-              <a:rPr lang="en-US" dirty="0" smtClean="0"/>
-              <a:t>.</a:t>
+              <a:t>application.</a:t>
             </a:r>
           </a:p>
           <a:p>

--- a/JPA-JPQL Query Performance.pptx
+++ b/JPA-JPQL Query Performance.pptx
@@ -242,7 +242,7 @@
           <a:p>
             <a:fld id="{82BF8903-3F4A-4A2C-83EA-FF6ECD7D1204}" type="datetimeFigureOut">
               <a:rPr lang="en-US" smtClean="0"/>
-              <a:t>10/21/2016</a:t>
+              <a:t>10/24/2016</a:t>
             </a:fld>
             <a:endParaRPr lang="en-US"/>
           </a:p>
@@ -1314,7 +1314,7 @@
           <a:p>
             <a:fld id="{B053294D-35D7-4DFC-94FB-8574C2B2E0FF}" type="datetimeFigureOut">
               <a:rPr lang="en-US" smtClean="0"/>
-              <a:t>10/21/2016</a:t>
+              <a:t>10/24/2016</a:t>
             </a:fld>
             <a:endParaRPr lang="en-US"/>
           </a:p>
@@ -1484,7 +1484,7 @@
           <a:p>
             <a:fld id="{B053294D-35D7-4DFC-94FB-8574C2B2E0FF}" type="datetimeFigureOut">
               <a:rPr lang="en-US" smtClean="0"/>
-              <a:t>10/21/2016</a:t>
+              <a:t>10/24/2016</a:t>
             </a:fld>
             <a:endParaRPr lang="en-US"/>
           </a:p>
@@ -1664,7 +1664,7 @@
           <a:p>
             <a:fld id="{B053294D-35D7-4DFC-94FB-8574C2B2E0FF}" type="datetimeFigureOut">
               <a:rPr lang="en-US" smtClean="0"/>
-              <a:t>10/21/2016</a:t>
+              <a:t>10/24/2016</a:t>
             </a:fld>
             <a:endParaRPr lang="en-US"/>
           </a:p>
@@ -1834,7 +1834,7 @@
           <a:p>
             <a:fld id="{B053294D-35D7-4DFC-94FB-8574C2B2E0FF}" type="datetimeFigureOut">
               <a:rPr lang="en-US" smtClean="0"/>
-              <a:t>10/21/2016</a:t>
+              <a:t>10/24/2016</a:t>
             </a:fld>
             <a:endParaRPr lang="en-US"/>
           </a:p>
@@ -2080,7 +2080,7 @@
           <a:p>
             <a:fld id="{B053294D-35D7-4DFC-94FB-8574C2B2E0FF}" type="datetimeFigureOut">
               <a:rPr lang="en-US" smtClean="0"/>
-              <a:t>10/21/2016</a:t>
+              <a:t>10/24/2016</a:t>
             </a:fld>
             <a:endParaRPr lang="en-US"/>
           </a:p>
@@ -2312,7 +2312,7 @@
           <a:p>
             <a:fld id="{B053294D-35D7-4DFC-94FB-8574C2B2E0FF}" type="datetimeFigureOut">
               <a:rPr lang="en-US" smtClean="0"/>
-              <a:t>10/21/2016</a:t>
+              <a:t>10/24/2016</a:t>
             </a:fld>
             <a:endParaRPr lang="en-US"/>
           </a:p>
@@ -2679,7 +2679,7 @@
           <a:p>
             <a:fld id="{B053294D-35D7-4DFC-94FB-8574C2B2E0FF}" type="datetimeFigureOut">
               <a:rPr lang="en-US" smtClean="0"/>
-              <a:t>10/21/2016</a:t>
+              <a:t>10/24/2016</a:t>
             </a:fld>
             <a:endParaRPr lang="en-US"/>
           </a:p>
@@ -2797,7 +2797,7 @@
           <a:p>
             <a:fld id="{B053294D-35D7-4DFC-94FB-8574C2B2E0FF}" type="datetimeFigureOut">
               <a:rPr lang="en-US" smtClean="0"/>
-              <a:t>10/21/2016</a:t>
+              <a:t>10/24/2016</a:t>
             </a:fld>
             <a:endParaRPr lang="en-US"/>
           </a:p>
@@ -2892,7 +2892,7 @@
           <a:p>
             <a:fld id="{B053294D-35D7-4DFC-94FB-8574C2B2E0FF}" type="datetimeFigureOut">
               <a:rPr lang="en-US" smtClean="0"/>
-              <a:t>10/21/2016</a:t>
+              <a:t>10/24/2016</a:t>
             </a:fld>
             <a:endParaRPr lang="en-US"/>
           </a:p>
@@ -3169,7 +3169,7 @@
           <a:p>
             <a:fld id="{B053294D-35D7-4DFC-94FB-8574C2B2E0FF}" type="datetimeFigureOut">
               <a:rPr lang="en-US" smtClean="0"/>
-              <a:t>10/21/2016</a:t>
+              <a:t>10/24/2016</a:t>
             </a:fld>
             <a:endParaRPr lang="en-US"/>
           </a:p>
@@ -3422,7 +3422,7 @@
           <a:p>
             <a:fld id="{B053294D-35D7-4DFC-94FB-8574C2B2E0FF}" type="datetimeFigureOut">
               <a:rPr lang="en-US" smtClean="0"/>
-              <a:t>10/21/2016</a:t>
+              <a:t>10/24/2016</a:t>
             </a:fld>
             <a:endParaRPr lang="en-US"/>
           </a:p>
@@ -3635,7 +3635,7 @@
           <a:p>
             <a:fld id="{B053294D-35D7-4DFC-94FB-8574C2B2E0FF}" type="datetimeFigureOut">
               <a:rPr lang="en-US" smtClean="0"/>
-              <a:t>10/21/2016</a:t>
+              <a:t>10/24/2016</a:t>
             </a:fld>
             <a:endParaRPr lang="en-US"/>
           </a:p>
@@ -4458,15 +4458,42 @@
           <a:p>
             <a:r>
               <a:rPr lang="en-US" dirty="0" smtClean="0"/>
-              <a:t>Hibernate has directly joined the AUTHOR table to BOOK</a:t>
-            </a:r>
+              <a:t>Hibernate has directly joined the AUTHOR table to </a:t>
+            </a:r>
+            <a:r>
+              <a:rPr lang="en-US" dirty="0" smtClean="0"/>
+              <a:t>BOOK</a:t>
+            </a:r>
+          </a:p>
+          <a:p>
+            <a:endParaRPr lang="en-US" dirty="0" smtClean="0"/>
           </a:p>
           <a:p>
             <a:pPr lvl="1"/>
             <a:r>
               <a:rPr lang="en-US" dirty="0" smtClean="0"/>
-              <a:t>Our result set now has a size of n authors x m books.</a:t>
-            </a:r>
+              <a:t>Our result set now has a size of n authors </a:t>
+            </a:r>
+            <a:r>
+              <a:rPr lang="en-US" dirty="0"/>
+              <a:t>*</a:t>
+            </a:r>
+            <a:r>
+              <a:rPr lang="en-US" dirty="0" smtClean="0"/>
+              <a:t> </a:t>
+            </a:r>
+            <a:r>
+              <a:rPr lang="en-US" dirty="0" smtClean="0"/>
+              <a:t>m books</a:t>
+            </a:r>
+            <a:r>
+              <a:rPr lang="en-US" dirty="0" smtClean="0"/>
+              <a:t>.</a:t>
+            </a:r>
+          </a:p>
+          <a:p>
+            <a:pPr lvl="1"/>
+            <a:endParaRPr lang="en-US" dirty="0" smtClean="0"/>
           </a:p>
           <a:p>
             <a:pPr lvl="1"/>
@@ -5143,11 +5170,7 @@
           <a:p>
             <a:r>
               <a:rPr lang="en-US" dirty="0" smtClean="0"/>
-              <a:t>Caching</a:t>
-            </a:r>
-            <a:r>
-              <a:rPr lang="en-US" dirty="0" smtClean="0"/>
-              <a:t>!</a:t>
+              <a:t>Caching!</a:t>
             </a:r>
           </a:p>
           <a:p>
@@ -6041,13 +6064,22 @@
         </p:nvSpPr>
         <p:spPr/>
         <p:txBody>
-          <a:bodyPr/>
-          <a:lstStyle/>
-          <a:p>
-            <a:r>
-              <a:rPr lang="en-US" dirty="0" smtClean="0"/>
-              <a:t>That’s 2 separate queries for each and every item in the returned list.</a:t>
-            </a:r>
+          <a:bodyPr>
+            <a:normAutofit fontScale="92500" lnSpcReduction="20000"/>
+          </a:bodyPr>
+          <a:lstStyle/>
+          <a:p>
+            <a:r>
+              <a:rPr lang="en-US" dirty="0" smtClean="0"/>
+              <a:t>That’s 2 separate queries for each and every item in the returned list</a:t>
+            </a:r>
+            <a:r>
+              <a:rPr lang="en-US" dirty="0" smtClean="0"/>
+              <a:t>.</a:t>
+            </a:r>
+          </a:p>
+          <a:p>
+            <a:endParaRPr lang="en-US" dirty="0" smtClean="0"/>
           </a:p>
           <a:p>
             <a:pPr lvl="1"/>
@@ -6063,15 +6095,30 @@
           <a:p>
             <a:r>
               <a:rPr lang="en-US" dirty="0" smtClean="0"/>
-              <a:t>Fetching strategy is to blame</a:t>
-            </a:r>
+              <a:t>Fetching strategy is to </a:t>
+            </a:r>
+            <a:r>
+              <a:rPr lang="en-US" dirty="0" smtClean="0"/>
+              <a:t>blame</a:t>
+            </a:r>
+          </a:p>
+          <a:p>
+            <a:endParaRPr lang="en-US" dirty="0" smtClean="0"/>
           </a:p>
           <a:p>
             <a:pPr lvl="1"/>
             <a:r>
               <a:rPr lang="en-US" dirty="0" smtClean="0"/>
-              <a:t>Hibernate (our JPA implementation of choice) defaults to “Lazy” fetching of child collections.</a:t>
-            </a:r>
+              <a:t>Hibernate (our JPA implementation of choice) defaults to “Lazy” fetching of child collections</a:t>
+            </a:r>
+            <a:r>
+              <a:rPr lang="en-US" dirty="0" smtClean="0"/>
+              <a:t>.</a:t>
+            </a:r>
+          </a:p>
+          <a:p>
+            <a:pPr lvl="1"/>
+            <a:endParaRPr lang="en-US" dirty="0" smtClean="0"/>
           </a:p>
           <a:p>
             <a:pPr lvl="1"/>

--- a/JPA-JPQL Query Performance.pptx
+++ b/JPA-JPQL Query Performance.pptx
@@ -4458,11 +4458,7 @@
           <a:p>
             <a:r>
               <a:rPr lang="en-US" dirty="0" smtClean="0"/>
-              <a:t>Hibernate has directly joined the AUTHOR table to </a:t>
-            </a:r>
-            <a:r>
-              <a:rPr lang="en-US" dirty="0" smtClean="0"/>
-              <a:t>BOOK</a:t>
+              <a:t>Hibernate has directly joined the AUTHOR table to BOOK</a:t>
             </a:r>
           </a:p>
           <a:p>
@@ -4480,15 +4476,7 @@
             </a:r>
             <a:r>
               <a:rPr lang="en-US" dirty="0" smtClean="0"/>
-              <a:t> </a:t>
-            </a:r>
-            <a:r>
-              <a:rPr lang="en-US" dirty="0" smtClean="0"/>
-              <a:t>m books</a:t>
-            </a:r>
-            <a:r>
-              <a:rPr lang="en-US" dirty="0" smtClean="0"/>
-              <a:t>.</a:t>
+              <a:t> m books.</a:t>
             </a:r>
           </a:p>
           <a:p>
@@ -4768,7 +4756,9 @@
         </p:nvSpPr>
         <p:spPr/>
         <p:txBody>
-          <a:bodyPr/>
+          <a:bodyPr>
+            <a:normAutofit fontScale="92500" lnSpcReduction="10000"/>
+          </a:bodyPr>
           <a:lstStyle/>
           <a:p>
             <a:r>
@@ -4803,8 +4793,22 @@
             <a:pPr lvl="1"/>
             <a:r>
               <a:rPr lang="en-US" dirty="0" smtClean="0"/>
-              <a:t>Change the SELECT statement, you can drastically change the result set that’s returned.</a:t>
-            </a:r>
+              <a:t>Change the SELECT statement, you can drastically change the result set that’s returned</a:t>
+            </a:r>
+            <a:r>
+              <a:rPr lang="en-US" dirty="0" smtClean="0"/>
+              <a:t>.</a:t>
+            </a:r>
+          </a:p>
+          <a:p>
+            <a:endParaRPr lang="en-US" dirty="0"/>
+          </a:p>
+          <a:p>
+            <a:r>
+              <a:rPr lang="en-US" dirty="0" smtClean="0"/>
+              <a:t>The dataset returned is still quite large. </a:t>
+            </a:r>
+            <a:endParaRPr lang="en-US" dirty="0" smtClean="0"/>
           </a:p>
         </p:txBody>
       </p:sp>
@@ -6071,11 +6075,7 @@
           <a:p>
             <a:r>
               <a:rPr lang="en-US" dirty="0" smtClean="0"/>
-              <a:t>That’s 2 separate queries for each and every item in the returned list</a:t>
-            </a:r>
-            <a:r>
-              <a:rPr lang="en-US" dirty="0" smtClean="0"/>
-              <a:t>.</a:t>
+              <a:t>That’s 2 separate queries for each and every item in the returned list.</a:t>
             </a:r>
           </a:p>
           <a:p>
@@ -6095,11 +6095,7 @@
           <a:p>
             <a:r>
               <a:rPr lang="en-US" dirty="0" smtClean="0"/>
-              <a:t>Fetching strategy is to </a:t>
-            </a:r>
-            <a:r>
-              <a:rPr lang="en-US" dirty="0" smtClean="0"/>
-              <a:t>blame</a:t>
+              <a:t>Fetching strategy is to blame</a:t>
             </a:r>
           </a:p>
           <a:p>
@@ -6109,11 +6105,7 @@
             <a:pPr lvl="1"/>
             <a:r>
               <a:rPr lang="en-US" dirty="0" smtClean="0"/>
-              <a:t>Hibernate (our JPA implementation of choice) defaults to “Lazy” fetching of child collections</a:t>
-            </a:r>
-            <a:r>
-              <a:rPr lang="en-US" dirty="0" smtClean="0"/>
-              <a:t>.</a:t>
+              <a:t>Hibernate (our JPA implementation of choice) defaults to “Lazy” fetching of child collections.</a:t>
             </a:r>
           </a:p>
           <a:p>
